--- a/0330/markup과제.pptx
+++ b/0330/markup과제.pptx
@@ -1,16 +1,16 @@
 
 <file path=ppt/presentation.xml><?xml version="1.0" encoding="utf-8"?>
-<p:presentation xmlns:a="http://schemas.openxmlformats.org/drawingml/2006/main" xmlns:r="http://schemas.openxmlformats.org/officeDocument/2006/relationships" xmlns:p="http://schemas.openxmlformats.org/presentationml/2006/main" saveSubsetFonts="1">
+<p:presentation xmlns:a="http://schemas.openxmlformats.org/drawingml/2006/main" xmlns:r="http://schemas.openxmlformats.org/officeDocument/2006/relationships" xmlns:p="http://schemas.openxmlformats.org/presentationml/2006/main" xmlns:p14="http://schemas.microsoft.com/office/powerpoint/2010/main" saveSubsetFonts="1">
   <p:sldMasterIdLst>
-    <p:sldMasterId id="2147483648" r:id="rId1"/>
+    <p:sldMasterId id="2147483660" r:id="rId13"/>
   </p:sldMasterIdLst>
   <p:sldIdLst>
-    <p:sldId id="256" r:id="rId2"/>
-    <p:sldId id="257" r:id="rId3"/>
-    <p:sldId id="258" r:id="rId4"/>
-    <p:sldId id="259" r:id="rId5"/>
+    <p:sldId id="256" r:id="rId15"/>
+    <p:sldId id="257" r:id="rId16"/>
+    <p:sldId id="258" r:id="rId17"/>
+    <p:sldId id="259" r:id="rId18"/>
   </p:sldIdLst>
-  <p:sldSz cx="9144000" cy="6858000" type="screen4x3"/>
+  <p:sldSz cx="9144000" cy="6858000"/>
   <p:notesSz cx="6858000" cy="9144000"/>
   <p:defaultTextStyle>
     <a:defPPr>
@@ -107,6 +107,22 @@
       </a:defRPr>
     </a:lvl9pPr>
   </p:defaultTextStyle>
+  <p:extLst>
+    <p:ext uri="{EFAFB233-063F-42B5-8137-9DF3F51BA10A}">
+      <p15:sldGuideLst xmlns:p15="http://schemas.microsoft.com/office/powerpoint/2012/main">
+        <p15:guide id="0" orient="horz" pos="2159" userDrawn="1">
+          <p15:clr>
+            <a:srgbClr val="A4A3A4"/>
+          </p15:clr>
+        </p15:guide>
+        <p15:guide id="1" pos="2879" userDrawn="1">
+          <p15:clr>
+            <a:srgbClr val="A4A3A4"/>
+          </p15:clr>
+        </p15:guide>
+      </p15:sldGuideLst>
+    </p:ext>
+  </p:extLst>
 </p:presentation>
 </file>
 
@@ -3082,7 +3098,7 @@
 </file>
 
 <file path=ppt/slides/slide1.xml><?xml version="1.0" encoding="utf-8"?>
-<p:sld xmlns:a="http://schemas.openxmlformats.org/drawingml/2006/main" xmlns:r="http://schemas.openxmlformats.org/officeDocument/2006/relationships" xmlns:p="http://schemas.openxmlformats.org/presentationml/2006/main">
+<p:sld xmlns:a="http://schemas.openxmlformats.org/drawingml/2006/main" xmlns:r="http://schemas.openxmlformats.org/officeDocument/2006/relationships" xmlns:p="http://schemas.openxmlformats.org/presentationml/2006/main" xmlns:p14="http://schemas.microsoft.com/office/powerpoint/2010/main">
   <p:cSld>
     <p:spTree>
       <p:nvGrpSpPr>
@@ -3121,7 +3137,7 @@
         </p:blipFill>
         <p:spPr bwMode="auto">
           <a:xfrm>
-            <a:off x="-108520" y="55111"/>
+            <a:off x="-108585" y="55245"/>
             <a:ext cx="9372600" cy="7486650"/>
           </a:xfrm>
           <a:prstGeom prst="rect">
@@ -3160,8 +3176,8 @@
         </p:nvSpPr>
         <p:spPr>
           <a:xfrm>
-            <a:off x="179512" y="68538"/>
-            <a:ext cx="8352928" cy="480142"/>
+            <a:off x="179705" y="68580"/>
+            <a:ext cx="8352790" cy="480060"/>
           </a:xfrm>
           <a:prstGeom prst="rect">
             <a:avLst/>
@@ -3206,8 +3222,8 @@
         </p:nvSpPr>
         <p:spPr>
           <a:xfrm>
-            <a:off x="107504" y="332656"/>
-            <a:ext cx="1440160" cy="215444"/>
+            <a:off x="107315" y="332740"/>
+            <a:ext cx="1440180" cy="215265"/>
           </a:xfrm>
           <a:prstGeom prst="rect">
             <a:avLst/>
@@ -3236,8 +3252,8 @@
         </p:nvSpPr>
         <p:spPr>
           <a:xfrm>
-            <a:off x="1187624" y="224354"/>
-            <a:ext cx="4968552" cy="323746"/>
+            <a:off x="1187450" y="224155"/>
+            <a:ext cx="4968240" cy="323850"/>
           </a:xfrm>
           <a:prstGeom prst="rect">
             <a:avLst/>
@@ -3282,8 +3298,8 @@
         </p:nvSpPr>
         <p:spPr>
           <a:xfrm>
-            <a:off x="1153414" y="337045"/>
-            <a:ext cx="720080" cy="215444"/>
+            <a:off x="1153160" y="337185"/>
+            <a:ext cx="720090" cy="215265"/>
           </a:xfrm>
           <a:prstGeom prst="rect">
             <a:avLst/>
@@ -3312,8 +3328,8 @@
         </p:nvSpPr>
         <p:spPr>
           <a:xfrm>
-            <a:off x="6660232" y="223918"/>
-            <a:ext cx="1224136" cy="296781"/>
+            <a:off x="6660515" y="224155"/>
+            <a:ext cx="1224280" cy="296545"/>
           </a:xfrm>
           <a:prstGeom prst="rect">
             <a:avLst/>
@@ -3358,10 +3374,10 @@
         </p:nvGrpSpPr>
         <p:grpSpPr>
           <a:xfrm>
-            <a:off x="2051720" y="242211"/>
-            <a:ext cx="3744416" cy="311464"/>
-            <a:chOff x="2051720" y="242211"/>
-            <a:chExt cx="3744416" cy="311464"/>
+            <a:off x="2051685" y="241935"/>
+            <a:ext cx="3744595" cy="311150"/>
+            <a:chOff x="2051685" y="241935"/>
+            <a:chExt cx="3744595" cy="311150"/>
           </a:xfrm>
         </p:grpSpPr>
         <p:sp>
@@ -3372,8 +3388,8 @@
           </p:nvSpPr>
           <p:spPr>
             <a:xfrm>
-              <a:off x="2123728" y="242211"/>
-              <a:ext cx="3672408" cy="288032"/>
+              <a:off x="2123440" y="241935"/>
+              <a:ext cx="3672205" cy="288290"/>
             </a:xfrm>
             <a:prstGeom prst="rect">
               <a:avLst/>
@@ -3418,8 +3434,8 @@
           </p:nvSpPr>
           <p:spPr>
             <a:xfrm>
-              <a:off x="2051720" y="338231"/>
-              <a:ext cx="720080" cy="215444"/>
+              <a:off x="2051685" y="338455"/>
+              <a:ext cx="720090" cy="215265"/>
             </a:xfrm>
             <a:prstGeom prst="rect">
               <a:avLst/>
@@ -3453,8 +3469,8 @@
         </p:nvSpPr>
         <p:spPr>
           <a:xfrm>
-            <a:off x="6636538" y="328567"/>
-            <a:ext cx="720080" cy="215444"/>
+            <a:off x="6636385" y="328295"/>
+            <a:ext cx="720090" cy="215265"/>
           </a:xfrm>
           <a:prstGeom prst="rect">
             <a:avLst/>
@@ -3487,8 +3503,8 @@
         </p:nvSpPr>
         <p:spPr>
           <a:xfrm>
-            <a:off x="574656" y="653222"/>
-            <a:ext cx="432048" cy="432048"/>
+            <a:off x="574675" y="653415"/>
+            <a:ext cx="431800" cy="431800"/>
           </a:xfrm>
           <a:prstGeom prst="rect">
             <a:avLst/>
@@ -3533,8 +3549,8 @@
         </p:nvSpPr>
         <p:spPr>
           <a:xfrm>
-            <a:off x="971600" y="652046"/>
-            <a:ext cx="1902765" cy="369332"/>
+            <a:off x="971550" y="652145"/>
+            <a:ext cx="1902460" cy="369570"/>
           </a:xfrm>
           <a:prstGeom prst="rect">
             <a:avLst/>
@@ -3567,8 +3583,8 @@
         </p:nvSpPr>
         <p:spPr>
           <a:xfrm>
-            <a:off x="1475656" y="312939"/>
-            <a:ext cx="504056" cy="127439"/>
+            <a:off x="1475740" y="313055"/>
+            <a:ext cx="504190" cy="127635"/>
           </a:xfrm>
           <a:prstGeom prst="rect">
             <a:avLst/>
@@ -3613,8 +3629,8 @@
         </p:nvSpPr>
         <p:spPr>
           <a:xfrm>
-            <a:off x="6924570" y="304675"/>
-            <a:ext cx="527750" cy="141278"/>
+            <a:off x="6924675" y="304800"/>
+            <a:ext cx="527685" cy="140970"/>
           </a:xfrm>
           <a:prstGeom prst="rect">
             <a:avLst/>
@@ -3654,13 +3670,67 @@
       <p:sp>
         <p:nvSpPr>
           <p:cNvPr id="19" name="직사각형 18"/>
+          <p:cNvSpPr>
+            <a:spLocks/>
+          </p:cNvSpPr>
+          <p:nvPr/>
+        </p:nvSpPr>
+        <p:spPr>
+          <a:xfrm rot="0">
+            <a:off x="575310" y="2060575"/>
+            <a:ext cx="432435" cy="432435"/>
+          </a:xfrm>
+          <a:prstGeom prst="rect"/>
+          <a:noFill/>
+          <a:ln w="25400" cap="flat" cmpd="sng">
+            <a:solidFill>
+              <a:srgbClr val="FF0000">
+                <a:alpha val="100000"/>
+              </a:srgbClr>
+            </a:solidFill>
+            <a:prstDash val="solid"/>
+          </a:ln>
+        </p:spPr>
+        <p:style>
+          <a:lnRef idx="2">
+            <a:schemeClr val="accent1">
+              <a:shade val="50000"/>
+            </a:schemeClr>
+          </a:lnRef>
+          <a:fillRef idx="1">
+            <a:schemeClr val="accent1"/>
+          </a:fillRef>
+          <a:effectRef idx="0">
+            <a:schemeClr val="accent1"/>
+          </a:effectRef>
+          <a:fontRef idx="minor">
+            <a:schemeClr val="lt1"/>
+          </a:fontRef>
+        </p:style>
+        <p:txBody>
+          <a:bodyPr wrap="square" lIns="91440" tIns="45720" rIns="91440" bIns="45720" numCol="1" vert="horz" anchor="ctr">
+            <a:noAutofit/>
+          </a:bodyPr>
+          <a:lstStyle/>
+          <a:p>
+            <a:pPr marL="0" indent="0" algn="ctr" latinLnBrk="0">
+              <a:buFontTx/>
+              <a:buNone/>
+            </a:pPr>
+            <a:endParaRPr lang="ko-KR" altLang="en-US"/>
+          </a:p>
+        </p:txBody>
+      </p:sp>
+      <p:sp>
+        <p:nvSpPr>
+          <p:cNvPr id="20" name="직사각형 19"/>
           <p:cNvSpPr/>
           <p:nvPr/>
         </p:nvSpPr>
         <p:spPr>
           <a:xfrm>
-            <a:off x="539552" y="2060848"/>
-            <a:ext cx="432048" cy="432048"/>
+            <a:off x="8028305" y="2060575"/>
+            <a:ext cx="431800" cy="431800"/>
           </a:xfrm>
           <a:prstGeom prst="rect">
             <a:avLst/>
@@ -3699,14 +3769,14 @@
       </p:sp>
       <p:sp>
         <p:nvSpPr>
-          <p:cNvPr id="20" name="직사각형 19"/>
+          <p:cNvPr id="21" name="직사각형 20"/>
           <p:cNvSpPr/>
           <p:nvPr/>
         </p:nvSpPr>
         <p:spPr>
           <a:xfrm>
-            <a:off x="8028384" y="2060848"/>
-            <a:ext cx="432048" cy="432048"/>
+            <a:off x="1438275" y="2420620"/>
+            <a:ext cx="1045210" cy="431800"/>
           </a:xfrm>
           <a:prstGeom prst="rect">
             <a:avLst/>
@@ -3745,14 +3815,14 @@
       </p:sp>
       <p:sp>
         <p:nvSpPr>
-          <p:cNvPr id="21" name="직사각형 20"/>
+          <p:cNvPr id="22" name="직사각형 21"/>
           <p:cNvSpPr/>
           <p:nvPr/>
         </p:nvSpPr>
         <p:spPr>
           <a:xfrm>
-            <a:off x="1438574" y="2420888"/>
-            <a:ext cx="1045194" cy="432048"/>
+            <a:off x="8436610" y="5085080"/>
+            <a:ext cx="431800" cy="431800"/>
           </a:xfrm>
           <a:prstGeom prst="rect">
             <a:avLst/>
@@ -3789,52 +3859,6 @@
           </a:p>
         </p:txBody>
       </p:sp>
-      <p:sp>
-        <p:nvSpPr>
-          <p:cNvPr id="22" name="직사각형 21"/>
-          <p:cNvSpPr/>
-          <p:nvPr/>
-        </p:nvSpPr>
-        <p:spPr>
-          <a:xfrm>
-            <a:off x="8436808" y="5085184"/>
-            <a:ext cx="432048" cy="432048"/>
-          </a:xfrm>
-          <a:prstGeom prst="rect">
-            <a:avLst/>
-          </a:prstGeom>
-          <a:noFill/>
-          <a:ln>
-            <a:solidFill>
-              <a:srgbClr val="FF0000"/>
-            </a:solidFill>
-          </a:ln>
-        </p:spPr>
-        <p:style>
-          <a:lnRef idx="2">
-            <a:schemeClr val="accent1">
-              <a:shade val="50000"/>
-            </a:schemeClr>
-          </a:lnRef>
-          <a:fillRef idx="1">
-            <a:schemeClr val="accent1"/>
-          </a:fillRef>
-          <a:effectRef idx="0">
-            <a:schemeClr val="accent1"/>
-          </a:effectRef>
-          <a:fontRef idx="minor">
-            <a:schemeClr val="lt1"/>
-          </a:fontRef>
-        </p:style>
-        <p:txBody>
-          <a:bodyPr rtlCol="0" anchor="ctr"/>
-          <a:lstStyle/>
-          <a:p>
-            <a:pPr algn="ctr"/>
-            <a:endParaRPr lang="ko-KR" altLang="en-US"/>
-          </a:p>
-        </p:txBody>
-      </p:sp>
       <p:grpSp>
         <p:nvGrpSpPr>
           <p:cNvPr id="24" name="그룹 23"/>
@@ -3843,10 +3867,10 @@
         </p:nvGrpSpPr>
         <p:grpSpPr>
           <a:xfrm>
-            <a:off x="2339752" y="3501008"/>
-            <a:ext cx="4176464" cy="432048"/>
-            <a:chOff x="2051720" y="242211"/>
-            <a:chExt cx="3744416" cy="311464"/>
+            <a:off x="2339975" y="3500755"/>
+            <a:ext cx="4176395" cy="431800"/>
+            <a:chOff x="2339975" y="3500755"/>
+            <a:chExt cx="4176395" cy="431800"/>
           </a:xfrm>
         </p:grpSpPr>
         <p:sp>
@@ -3857,8 +3881,8 @@
           </p:nvSpPr>
           <p:spPr>
             <a:xfrm>
-              <a:off x="2123728" y="242211"/>
-              <a:ext cx="3672408" cy="288032"/>
+              <a:off x="2419985" y="3500755"/>
+              <a:ext cx="4096385" cy="399415"/>
             </a:xfrm>
             <a:prstGeom prst="rect">
               <a:avLst/>
@@ -3903,8 +3927,8 @@
           </p:nvSpPr>
           <p:spPr>
             <a:xfrm>
-              <a:off x="2051720" y="338231"/>
-              <a:ext cx="720080" cy="215444"/>
+              <a:off x="2339975" y="3634105"/>
+              <a:ext cx="803275" cy="299085"/>
             </a:xfrm>
             <a:prstGeom prst="rect">
               <a:avLst/>
@@ -3938,10 +3962,10 @@
         </p:nvGrpSpPr>
         <p:grpSpPr>
           <a:xfrm>
-            <a:off x="3203848" y="4009544"/>
-            <a:ext cx="2363229" cy="499576"/>
-            <a:chOff x="2051720" y="242211"/>
-            <a:chExt cx="3744416" cy="311464"/>
+            <a:off x="3203575" y="4009390"/>
+            <a:ext cx="2363470" cy="499745"/>
+            <a:chOff x="3203575" y="4009390"/>
+            <a:chExt cx="2363470" cy="499745"/>
           </a:xfrm>
         </p:grpSpPr>
         <p:sp>
@@ -3952,8 +3976,8 @@
           </p:nvSpPr>
           <p:spPr>
             <a:xfrm>
-              <a:off x="2123728" y="242211"/>
-              <a:ext cx="3672408" cy="288032"/>
+              <a:off x="3249295" y="4009390"/>
+              <a:ext cx="2317750" cy="462280"/>
             </a:xfrm>
             <a:prstGeom prst="rect">
               <a:avLst/>
@@ -3998,8 +4022,8 @@
           </p:nvSpPr>
           <p:spPr>
             <a:xfrm>
-              <a:off x="2051720" y="338231"/>
-              <a:ext cx="720080" cy="215444"/>
+              <a:off x="3203575" y="4163695"/>
+              <a:ext cx="454660" cy="345440"/>
             </a:xfrm>
             <a:prstGeom prst="rect">
               <a:avLst/>
@@ -4033,8 +4057,8 @@
         </p:nvSpPr>
         <p:spPr>
           <a:xfrm>
-            <a:off x="179512" y="620688"/>
-            <a:ext cx="8352928" cy="6768752"/>
+            <a:off x="179705" y="620395"/>
+            <a:ext cx="8352790" cy="6768465"/>
           </a:xfrm>
           <a:prstGeom prst="rect">
             <a:avLst/>
@@ -4079,8 +4103,8 @@
         </p:nvSpPr>
         <p:spPr>
           <a:xfrm>
-            <a:off x="257032" y="7020108"/>
-            <a:ext cx="907621" cy="369332"/>
+            <a:off x="257175" y="7019925"/>
+            <a:ext cx="907415" cy="369570"/>
           </a:xfrm>
           <a:prstGeom prst="rect">
             <a:avLst/>
@@ -4113,8 +4137,8 @@
         </p:nvSpPr>
         <p:spPr>
           <a:xfrm>
-            <a:off x="1438574" y="4471536"/>
-            <a:ext cx="6013746" cy="2917904"/>
+            <a:off x="1438275" y="4471670"/>
+            <a:ext cx="6013450" cy="2917825"/>
           </a:xfrm>
           <a:prstGeom prst="rect">
             <a:avLst/>
@@ -4159,8 +4183,8 @@
         </p:nvSpPr>
         <p:spPr>
           <a:xfrm>
-            <a:off x="6868506" y="7020108"/>
-            <a:ext cx="583814" cy="369332"/>
+            <a:off x="6868795" y="7019925"/>
+            <a:ext cx="583565" cy="369570"/>
           </a:xfrm>
           <a:prstGeom prst="rect">
             <a:avLst/>
@@ -4178,6 +4202,60 @@
               <a:t>DIV</a:t>
             </a:r>
             <a:endParaRPr lang="ko-KR" altLang="en-US" b="1" dirty="0"/>
+          </a:p>
+        </p:txBody>
+      </p:sp>
+      <p:sp>
+        <p:nvSpPr>
+          <p:cNvPr id="1027" name="도형 1"/>
+          <p:cNvSpPr>
+            <a:spLocks/>
+          </p:cNvSpPr>
+          <p:nvPr/>
+        </p:nvSpPr>
+        <p:spPr>
+          <a:xfrm rot="0">
+            <a:off x="4000500" y="6929755"/>
+            <a:ext cx="905510" cy="349885"/>
+          </a:xfrm>
+          <a:prstGeom prst="rect"/>
+          <a:noFill/>
+          <a:ln w="25400" cap="flat" cmpd="sng">
+            <a:solidFill>
+              <a:srgbClr val="FF0000">
+                <a:alpha val="100000"/>
+              </a:srgbClr>
+            </a:solidFill>
+            <a:prstDash val="solid"/>
+          </a:ln>
+        </p:spPr>
+        <p:style>
+          <a:lnRef idx="2">
+            <a:schemeClr val="accent1">
+              <a:shade val="50000"/>
+            </a:schemeClr>
+          </a:lnRef>
+          <a:fillRef idx="1">
+            <a:schemeClr val="accent1"/>
+          </a:fillRef>
+          <a:effectRef idx="0">
+            <a:schemeClr val="accent1"/>
+          </a:effectRef>
+          <a:fontRef idx="minor">
+            <a:schemeClr val="lt1"/>
+          </a:fontRef>
+        </p:style>
+        <p:txBody>
+          <a:bodyPr wrap="square" lIns="91440" tIns="45720" rIns="91440" bIns="45720" numCol="1" vert="horz" anchor="ctr">
+            <a:noAutofit/>
+          </a:bodyPr>
+          <a:lstStyle/>
+          <a:p>
+            <a:pPr marL="0" indent="0" algn="ctr" latinLnBrk="0">
+              <a:buFontTx/>
+              <a:buNone/>
+            </a:pPr>
+            <a:endParaRPr lang="ko-KR" altLang="en-US"/>
           </a:p>
         </p:txBody>
       </p:sp>
@@ -4191,11 +4269,26 @@
   <p:clrMapOvr>
     <a:masterClrMapping/>
   </p:clrMapOvr>
+  <mc:AlternateContent xmlns:mc="http://schemas.openxmlformats.org/markup-compatibility/2006">
+    <mc:Choice xmlns:p14="http://schemas.microsoft.com/office/powerpoint/2010/main" Requires="p14">
+      <p:transition spd="slow" p14:dur="2000"/>
+    </mc:Choice>
+    <mc:Fallback>
+      <p:transition spd="slow"/>
+    </mc:Fallback>
+  </mc:AlternateContent>
+  <p:timing>
+    <p:tnLst>
+      <p:par>
+        <p:cTn id="1" dur="indefinite" restart="never" nodeType="tmRoot"/>
+      </p:par>
+    </p:tnLst>
+  </p:timing>
 </p:sld>
 </file>
 
 <file path=ppt/slides/slide2.xml><?xml version="1.0" encoding="utf-8"?>
-<p:sld xmlns:a="http://schemas.openxmlformats.org/drawingml/2006/main" xmlns:r="http://schemas.openxmlformats.org/officeDocument/2006/relationships" xmlns:p="http://schemas.openxmlformats.org/presentationml/2006/main">
+<p:sld xmlns:a="http://schemas.openxmlformats.org/drawingml/2006/main" xmlns:r="http://schemas.openxmlformats.org/officeDocument/2006/relationships" xmlns:p="http://schemas.openxmlformats.org/presentationml/2006/main" xmlns:p14="http://schemas.microsoft.com/office/powerpoint/2010/main">
   <p:cSld>
     <p:spTree>
       <p:nvGrpSpPr>
@@ -4213,58 +4306,531 @@
       </p:grpSpPr>
       <p:pic>
         <p:nvPicPr>
-          <p:cNvPr id="2050" name="Picture 2"/>
+          <p:cNvPr id="2050" name="Picture 2" descr="C:/Users/acodd/AppData/Roaming/PolarisOffice/ETemp/33320_14875312/image2.png"/>
           <p:cNvPicPr>
-            <a:picLocks noChangeAspect="1" noChangeArrowheads="1"/>
+            <a:picLocks noChangeAspect="1"/>
           </p:cNvPicPr>
           <p:nvPr/>
         </p:nvPicPr>
-        <p:blipFill>
-          <a:blip r:embed="rId2">
+        <p:blipFill rotWithShape="1">
+          <a:blip r:embed="rId2" cstate="print">
             <a:extLst>
               <a:ext uri="{28A0092B-C50C-407E-A947-70E740481C1C}">
                 <a14:useLocalDpi xmlns:a14="http://schemas.microsoft.com/office/drawing/2010/main" val="0"/>
               </a:ext>
             </a:extLst>
           </a:blip>
-          <a:srcRect/>
           <a:stretch>
             <a:fillRect/>
           </a:stretch>
         </p:blipFill>
         <p:spPr bwMode="auto">
-          <a:xfrm>
-            <a:off x="971600" y="94604"/>
-            <a:ext cx="7632848" cy="6704770"/>
-          </a:xfrm>
-          <a:prstGeom prst="rect">
-            <a:avLst/>
-          </a:prstGeom>
+          <a:xfrm rot="0">
+            <a:off x="971550" y="98425"/>
+            <a:ext cx="7633335" cy="6705600"/>
+          </a:xfrm>
+          <a:prstGeom prst="rect"/>
           <a:noFill/>
-          <a:ln>
+          <a:ln w="0">
             <a:noFill/>
+            <a:prstDash/>
           </a:ln>
-          <a:extLst>
-            <a:ext uri="{909E8E84-426E-40DD-AFC4-6F175D3DCCD1}">
-              <a14:hiddenFill xmlns:a14="http://schemas.microsoft.com/office/drawing/2010/main">
-                <a:solidFill>
-                  <a:schemeClr val="accent1"/>
-                </a:solidFill>
-              </a14:hiddenFill>
-            </a:ext>
-            <a:ext uri="{91240B29-F687-4F45-9708-019B960494DF}">
-              <a14:hiddenLine xmlns:a14="http://schemas.microsoft.com/office/drawing/2010/main" w="9525">
-                <a:solidFill>
-                  <a:schemeClr val="tx1"/>
-                </a:solidFill>
-                <a:miter lim="800000"/>
-                <a:headEnd/>
-                <a:tailEnd/>
-              </a14:hiddenLine>
-            </a:ext>
-          </a:extLst>
         </p:spPr>
       </p:pic>
+      <p:sp>
+        <p:nvSpPr>
+          <p:cNvPr id="2051" name="도형 2"/>
+          <p:cNvSpPr>
+            <a:spLocks/>
+          </p:cNvSpPr>
+          <p:nvPr/>
+        </p:nvSpPr>
+        <p:spPr>
+          <a:xfrm rot="0">
+            <a:off x="4206875" y="2083435"/>
+            <a:ext cx="580390" cy="194945"/>
+          </a:xfrm>
+          <a:prstGeom prst="rect"/>
+          <a:noFill/>
+          <a:ln w="25400" cap="flat" cmpd="sng">
+            <a:solidFill>
+              <a:srgbClr val="FF0000">
+                <a:alpha val="100000"/>
+              </a:srgbClr>
+            </a:solidFill>
+            <a:prstDash val="solid"/>
+          </a:ln>
+        </p:spPr>
+        <p:style>
+          <a:lnRef idx="2">
+            <a:schemeClr val="accent1">
+              <a:shade val="50000"/>
+            </a:schemeClr>
+          </a:lnRef>
+          <a:fillRef idx="1">
+            <a:schemeClr val="accent1"/>
+          </a:fillRef>
+          <a:effectRef idx="0">
+            <a:schemeClr val="accent1"/>
+          </a:effectRef>
+          <a:fontRef idx="minor">
+            <a:schemeClr val="lt1"/>
+          </a:fontRef>
+        </p:style>
+        <p:txBody>
+          <a:bodyPr wrap="square" lIns="91440" tIns="45720" rIns="91440" bIns="45720" numCol="1" vert="horz" anchor="ctr">
+            <a:noAutofit/>
+          </a:bodyPr>
+          <a:lstStyle/>
+          <a:p>
+            <a:pPr marL="0" indent="0" algn="ctr" latinLnBrk="0">
+              <a:buFontTx/>
+              <a:buNone/>
+            </a:pPr>
+            <a:endParaRPr lang="ko-KR" altLang="en-US"/>
+          </a:p>
+        </p:txBody>
+      </p:sp>
+      <p:sp>
+        <p:nvSpPr>
+          <p:cNvPr id="2052" name="도형 3"/>
+          <p:cNvSpPr>
+            <a:spLocks/>
+          </p:cNvSpPr>
+          <p:nvPr/>
+        </p:nvSpPr>
+        <p:spPr>
+          <a:xfrm rot="0">
+            <a:off x="4135120" y="4286250"/>
+            <a:ext cx="711200" cy="171450"/>
+          </a:xfrm>
+          <a:prstGeom prst="rect"/>
+          <a:noFill/>
+          <a:ln w="25400" cap="flat" cmpd="sng">
+            <a:solidFill>
+              <a:srgbClr val="FF0000">
+                <a:alpha val="100000"/>
+              </a:srgbClr>
+            </a:solidFill>
+            <a:prstDash val="solid"/>
+          </a:ln>
+        </p:spPr>
+        <p:style>
+          <a:lnRef idx="2">
+            <a:schemeClr val="accent1">
+              <a:shade val="50000"/>
+            </a:schemeClr>
+          </a:lnRef>
+          <a:fillRef idx="1">
+            <a:schemeClr val="accent1"/>
+          </a:fillRef>
+          <a:effectRef idx="0">
+            <a:schemeClr val="accent1"/>
+          </a:effectRef>
+          <a:fontRef idx="minor">
+            <a:schemeClr val="lt1"/>
+          </a:fontRef>
+        </p:style>
+        <p:txBody>
+          <a:bodyPr wrap="square" lIns="91440" tIns="45720" rIns="91440" bIns="45720" numCol="1" vert="horz" anchor="ctr">
+            <a:noAutofit/>
+          </a:bodyPr>
+          <a:lstStyle/>
+          <a:p>
+            <a:pPr marL="0" indent="0" algn="ctr" latinLnBrk="0">
+              <a:buFontTx/>
+              <a:buNone/>
+            </a:pPr>
+            <a:endParaRPr lang="ko-KR" altLang="en-US"/>
+          </a:p>
+        </p:txBody>
+      </p:sp>
+      <p:sp>
+        <p:nvSpPr>
+          <p:cNvPr id="2053" name="도형 4"/>
+          <p:cNvSpPr>
+            <a:spLocks/>
+          </p:cNvSpPr>
+          <p:nvPr/>
+        </p:nvSpPr>
+        <p:spPr>
+          <a:xfrm rot="0">
+            <a:off x="4135120" y="6453505"/>
+            <a:ext cx="746760" cy="194945"/>
+          </a:xfrm>
+          <a:prstGeom prst="rect"/>
+          <a:noFill/>
+          <a:ln w="25400" cap="flat" cmpd="sng">
+            <a:solidFill>
+              <a:srgbClr val="FF0000">
+                <a:alpha val="100000"/>
+              </a:srgbClr>
+            </a:solidFill>
+            <a:prstDash val="solid"/>
+          </a:ln>
+        </p:spPr>
+        <p:style>
+          <a:lnRef idx="2">
+            <a:schemeClr val="accent1">
+              <a:shade val="50000"/>
+            </a:schemeClr>
+          </a:lnRef>
+          <a:fillRef idx="1">
+            <a:schemeClr val="accent1"/>
+          </a:fillRef>
+          <a:effectRef idx="0">
+            <a:schemeClr val="accent1"/>
+          </a:effectRef>
+          <a:fontRef idx="minor">
+            <a:schemeClr val="lt1"/>
+          </a:fontRef>
+        </p:style>
+        <p:txBody>
+          <a:bodyPr wrap="square" lIns="91440" tIns="45720" rIns="91440" bIns="45720" numCol="1" vert="horz" anchor="ctr">
+            <a:noAutofit/>
+          </a:bodyPr>
+          <a:lstStyle/>
+          <a:p>
+            <a:pPr marL="0" indent="0" algn="ctr" latinLnBrk="0">
+              <a:buFontTx/>
+              <a:buNone/>
+            </a:pPr>
+            <a:endParaRPr lang="ko-KR" altLang="en-US"/>
+          </a:p>
+        </p:txBody>
+      </p:sp>
+      <p:grpSp>
+        <p:nvGrpSpPr>
+          <p:cNvPr id="2054" name="그룹 7"/>
+          <p:cNvGrpSpPr/>
+          <p:nvPr/>
+        </p:nvGrpSpPr>
+        <p:grpSpPr>
+          <a:xfrm rot="0">
+            <a:off x="2571115" y="392430"/>
+            <a:ext cx="3821430" cy="171450"/>
+            <a:chOff x="2571115" y="392430"/>
+            <a:chExt cx="3821430" cy="171450"/>
+          </a:xfrm>
+        </p:grpSpPr>
+        <p:sp>
+          <p:nvSpPr>
+            <p:cNvPr id="2055" name="도형 5"/>
+            <p:cNvSpPr>
+              <a:spLocks/>
+            </p:cNvSpPr>
+            <p:nvPr/>
+          </p:nvSpPr>
+          <p:spPr>
+            <a:xfrm rot="0">
+              <a:off x="2624455" y="392430"/>
+              <a:ext cx="3768090" cy="171450"/>
+            </a:xfrm>
+            <a:prstGeom prst="rect"/>
+            <a:noFill/>
+            <a:ln w="25400" cap="flat" cmpd="sng">
+              <a:solidFill>
+                <a:schemeClr val="tx1">
+                  <a:alpha val="100000"/>
+                </a:schemeClr>
+              </a:solidFill>
+              <a:prstDash val="solid"/>
+            </a:ln>
+          </p:spPr>
+          <p:style>
+            <a:lnRef idx="2">
+              <a:schemeClr val="accent1">
+                <a:shade val="50000"/>
+              </a:schemeClr>
+            </a:lnRef>
+            <a:fillRef idx="1">
+              <a:schemeClr val="accent1"/>
+            </a:fillRef>
+            <a:effectRef idx="0">
+              <a:schemeClr val="accent1"/>
+            </a:effectRef>
+            <a:fontRef idx="minor">
+              <a:schemeClr val="lt1"/>
+            </a:fontRef>
+          </p:style>
+          <p:txBody>
+            <a:bodyPr wrap="square" lIns="91440" tIns="45720" rIns="91440" bIns="45720" numCol="1" vert="horz" anchor="ctr">
+              <a:noAutofit/>
+            </a:bodyPr>
+            <a:lstStyle/>
+            <a:p>
+              <a:pPr marL="0" indent="0" algn="ctr" latinLnBrk="0">
+                <a:buFontTx/>
+                <a:buNone/>
+              </a:pPr>
+              <a:endParaRPr lang="ko-KR" altLang="en-US"/>
+            </a:p>
+          </p:txBody>
+        </p:sp>
+        <p:sp>
+          <p:nvSpPr>
+            <p:cNvPr id="2056" name="텍스트 상자 6"/>
+            <p:cNvSpPr txBox="1">
+              <a:spLocks/>
+            </p:cNvSpPr>
+            <p:nvPr/>
+          </p:nvSpPr>
+          <p:spPr>
+            <a:xfrm rot="0">
+              <a:off x="2571115" y="393065"/>
+              <a:ext cx="739140" cy="128270"/>
+            </a:xfrm>
+            <a:prstGeom prst="rect"/>
+            <a:noFill/>
+          </p:spPr>
+          <p:txBody>
+            <a:bodyPr wrap="square" lIns="91440" tIns="45720" rIns="91440" bIns="45720" numCol="1" vert="horz" anchor="t">
+              <a:spAutoFit/>
+            </a:bodyPr>
+            <a:lstStyle/>
+            <a:p>
+              <a:pPr marL="0" indent="0" latinLnBrk="0">
+                <a:buFontTx/>
+                <a:buNone/>
+              </a:pPr>
+              <a:r>
+                <a:rPr lang="en-US" altLang="ko-KR" sz="800" b="1"/>
+                <a:t>ul,li</a:t>
+              </a:r>
+              <a:endParaRPr lang="ko-KR" altLang="en-US" sz="800" b="1"/>
+            </a:p>
+          </p:txBody>
+        </p:sp>
+      </p:grpSp>
+      <p:grpSp>
+        <p:nvGrpSpPr>
+          <p:cNvPr id="2057" name="그룹 10"/>
+          <p:cNvGrpSpPr/>
+          <p:nvPr/>
+        </p:nvGrpSpPr>
+        <p:grpSpPr>
+          <a:xfrm rot="0">
+            <a:off x="3697605" y="2555240"/>
+            <a:ext cx="1510030" cy="200025"/>
+            <a:chOff x="3697605" y="2555240"/>
+            <a:chExt cx="1510030" cy="200025"/>
+          </a:xfrm>
+        </p:grpSpPr>
+        <p:sp>
+          <p:nvSpPr>
+            <p:cNvPr id="2058" name="도형 8"/>
+            <p:cNvSpPr>
+              <a:spLocks/>
+            </p:cNvSpPr>
+            <p:nvPr/>
+          </p:nvSpPr>
+          <p:spPr>
+            <a:xfrm rot="0">
+              <a:off x="3777615" y="2586990"/>
+              <a:ext cx="1430020" cy="142240"/>
+            </a:xfrm>
+            <a:prstGeom prst="rect"/>
+            <a:noFill/>
+            <a:ln w="25400" cap="flat" cmpd="sng">
+              <a:solidFill>
+                <a:schemeClr val="bg1">
+                  <a:alpha val="100000"/>
+                </a:schemeClr>
+              </a:solidFill>
+              <a:prstDash val="solid"/>
+            </a:ln>
+          </p:spPr>
+          <p:style>
+            <a:lnRef idx="2">
+              <a:schemeClr val="accent1">
+                <a:shade val="50000"/>
+              </a:schemeClr>
+            </a:lnRef>
+            <a:fillRef idx="1">
+              <a:schemeClr val="accent1"/>
+            </a:fillRef>
+            <a:effectRef idx="0">
+              <a:schemeClr val="accent1"/>
+            </a:effectRef>
+            <a:fontRef idx="minor">
+              <a:schemeClr val="lt1"/>
+            </a:fontRef>
+          </p:style>
+          <p:txBody>
+            <a:bodyPr wrap="square" lIns="91440" tIns="45720" rIns="91440" bIns="45720" numCol="1" vert="horz" anchor="ctr">
+              <a:noAutofit/>
+            </a:bodyPr>
+            <a:lstStyle/>
+            <a:p>
+              <a:pPr marL="0" indent="0" algn="ctr" latinLnBrk="0">
+                <a:buFontTx/>
+                <a:buNone/>
+              </a:pPr>
+              <a:endParaRPr lang="ko-KR" altLang="en-US"/>
+            </a:p>
+          </p:txBody>
+        </p:sp>
+        <p:sp>
+          <p:nvSpPr>
+            <p:cNvPr id="2059" name="텍스트 상자 9"/>
+            <p:cNvSpPr txBox="1">
+              <a:spLocks/>
+            </p:cNvSpPr>
+            <p:nvPr/>
+          </p:nvSpPr>
+          <p:spPr>
+            <a:xfrm rot="0">
+              <a:off x="3697605" y="2555240"/>
+              <a:ext cx="712470" cy="200025"/>
+            </a:xfrm>
+            <a:prstGeom prst="rect"/>
+            <a:noFill/>
+            <a:ln w="0" cap="flat" cmpd="sng">
+              <a:solidFill>
+                <a:schemeClr val="bg1">
+                  <a:alpha val="100000"/>
+                </a:schemeClr>
+              </a:solidFill>
+              <a:prstDash val="solid"/>
+            </a:ln>
+          </p:spPr>
+          <p:txBody>
+            <a:bodyPr wrap="square" lIns="91440" tIns="45720" rIns="91440" bIns="45720" numCol="1" vert="horz" anchor="t">
+              <a:spAutoFit/>
+            </a:bodyPr>
+            <a:lstStyle/>
+            <a:p>
+              <a:pPr marL="0" indent="0" latinLnBrk="0">
+                <a:buFontTx/>
+                <a:buNone/>
+              </a:pPr>
+              <a:r>
+                <a:rPr lang="ko-KR" altLang="ko-KR" sz="700" b="1">
+                  <a:solidFill>
+                    <a:schemeClr val="bg1"/>
+                  </a:solidFill>
+                </a:rPr>
+                <a:t>ul, li</a:t>
+              </a:r>
+              <a:endParaRPr lang="ko-KR" altLang="en-US" sz="700" b="1">
+                <a:solidFill>
+                  <a:schemeClr val="bg1"/>
+                </a:solidFill>
+              </a:endParaRPr>
+            </a:p>
+          </p:txBody>
+        </p:sp>
+      </p:grpSp>
+      <p:grpSp>
+        <p:nvGrpSpPr>
+          <p:cNvPr id="2062" name="그룹 18"/>
+          <p:cNvGrpSpPr/>
+          <p:nvPr/>
+        </p:nvGrpSpPr>
+        <p:grpSpPr>
+          <a:xfrm rot="0">
+            <a:off x="2369185" y="95250"/>
+            <a:ext cx="5162550" cy="6668135"/>
+            <a:chOff x="2369185" y="95250"/>
+            <a:chExt cx="5162550" cy="6668135"/>
+          </a:xfrm>
+        </p:grpSpPr>
+        <p:sp>
+          <p:nvSpPr>
+            <p:cNvPr id="2060" name="도형 13"/>
+            <p:cNvSpPr>
+              <a:spLocks/>
+            </p:cNvSpPr>
+            <p:nvPr/>
+          </p:nvSpPr>
+          <p:spPr>
+            <a:xfrm rot="0">
+              <a:off x="2369185" y="131445"/>
+              <a:ext cx="4227195" cy="6631940"/>
+            </a:xfrm>
+            <a:prstGeom prst="rect"/>
+            <a:noFill/>
+            <a:ln w="25400" cap="flat" cmpd="sng">
+              <a:solidFill>
+                <a:srgbClr val="FCCC00">
+                  <a:alpha val="100000"/>
+                </a:srgbClr>
+              </a:solidFill>
+              <a:prstDash val="solid"/>
+            </a:ln>
+          </p:spPr>
+          <p:style>
+            <a:lnRef idx="2">
+              <a:schemeClr val="accent1">
+                <a:shade val="50000"/>
+              </a:schemeClr>
+            </a:lnRef>
+            <a:fillRef idx="1">
+              <a:schemeClr val="accent1"/>
+            </a:fillRef>
+            <a:effectRef idx="0">
+              <a:schemeClr val="accent1"/>
+            </a:effectRef>
+            <a:fontRef idx="minor">
+              <a:schemeClr val="lt1"/>
+            </a:fontRef>
+          </p:style>
+          <p:txBody>
+            <a:bodyPr wrap="square" lIns="91440" tIns="45720" rIns="91440" bIns="45720" vert="horz" anchor="ctr">
+              <a:noAutofit/>
+            </a:bodyPr>
+            <a:lstStyle/>
+            <a:p>
+              <a:pPr marL="0" indent="0" algn="ctr" hangingPunct="1"/>
+              <a:endParaRPr lang="ko-KR" altLang="en-US" sz="1800">
+                <a:latin typeface="맑은 고딕" charset="0"/>
+                <a:ea typeface="맑은 고딕" charset="0"/>
+              </a:endParaRPr>
+            </a:p>
+          </p:txBody>
+        </p:sp>
+        <p:sp>
+          <p:nvSpPr>
+            <p:cNvPr id="2061" name="텍스트 상자 17"/>
+            <p:cNvSpPr txBox="1">
+              <a:spLocks/>
+            </p:cNvSpPr>
+            <p:nvPr/>
+          </p:nvSpPr>
+          <p:spPr>
+            <a:xfrm rot="0">
+              <a:off x="6619875" y="95250"/>
+              <a:ext cx="911860" cy="370205"/>
+            </a:xfrm>
+            <a:prstGeom prst="rect"/>
+            <a:noFill/>
+            <a:ln w="0">
+              <a:noFill/>
+              <a:prstDash/>
+            </a:ln>
+          </p:spPr>
+          <p:txBody>
+            <a:bodyPr wrap="square" lIns="89535" tIns="46355" rIns="89535" bIns="46355" vert="horz" anchor="t">
+              <a:spAutoFit/>
+            </a:bodyPr>
+            <a:lstStyle/>
+            <a:p>
+              <a:pPr marL="0" indent="0" algn="l" hangingPunct="1"/>
+              <a:r>
+                <a:rPr lang="ko-KR" sz="1800">
+                  <a:latin typeface="맑은 고딕" charset="0"/>
+                  <a:ea typeface="맑은 고딕" charset="0"/>
+                </a:rPr>
+                <a:t>section</a:t>
+              </a:r>
+              <a:endParaRPr lang="ko-KR" altLang="en-US" sz="1800">
+                <a:latin typeface="맑은 고딕" charset="0"/>
+                <a:ea typeface="맑은 고딕" charset="0"/>
+              </a:endParaRPr>
+            </a:p>
+          </p:txBody>
+        </p:sp>
+      </p:grpSp>
     </p:spTree>
     <p:extLst>
       <p:ext uri="{BB962C8B-B14F-4D97-AF65-F5344CB8AC3E}">
@@ -4275,11 +4841,26 @@
   <p:clrMapOvr>
     <a:masterClrMapping/>
   </p:clrMapOvr>
+  <mc:AlternateContent xmlns:mc="http://schemas.openxmlformats.org/markup-compatibility/2006">
+    <mc:Choice xmlns:p14="http://schemas.microsoft.com/office/powerpoint/2010/main" Requires="p14">
+      <p:transition spd="slow" p14:dur="2000"/>
+    </mc:Choice>
+    <mc:Fallback>
+      <p:transition spd="slow"/>
+    </mc:Fallback>
+  </mc:AlternateContent>
+  <p:timing>
+    <p:tnLst>
+      <p:par>
+        <p:cTn id="1" dur="indefinite" restart="never" nodeType="tmRoot"/>
+      </p:par>
+    </p:tnLst>
+  </p:timing>
 </p:sld>
 </file>
 
 <file path=ppt/slides/slide3.xml><?xml version="1.0" encoding="utf-8"?>
-<p:sld xmlns:a="http://schemas.openxmlformats.org/drawingml/2006/main" xmlns:r="http://schemas.openxmlformats.org/officeDocument/2006/relationships" xmlns:p="http://schemas.openxmlformats.org/presentationml/2006/main">
+<p:sld xmlns:a="http://schemas.openxmlformats.org/drawingml/2006/main" xmlns:r="http://schemas.openxmlformats.org/officeDocument/2006/relationships" xmlns:p="http://schemas.openxmlformats.org/presentationml/2006/main" xmlns:p14="http://schemas.microsoft.com/office/powerpoint/2010/main">
   <p:cSld>
     <p:spTree>
       <p:nvGrpSpPr>
@@ -4318,8 +4899,8 @@
         </p:blipFill>
         <p:spPr bwMode="auto">
           <a:xfrm>
-            <a:off x="2123728" y="56053"/>
-            <a:ext cx="4752528" cy="6814503"/>
+            <a:off x="2123440" y="55880"/>
+            <a:ext cx="4752340" cy="6814820"/>
           </a:xfrm>
           <a:prstGeom prst="rect">
             <a:avLst/>
@@ -4349,6 +4930,234 @@
           </a:extLst>
         </p:spPr>
       </p:pic>
+      <p:grpSp>
+        <p:nvGrpSpPr>
+          <p:cNvPr id="3075" name="그룹 21"/>
+          <p:cNvGrpSpPr/>
+          <p:nvPr/>
+        </p:nvGrpSpPr>
+        <p:grpSpPr>
+          <a:xfrm rot="0">
+            <a:off x="2130425" y="93980"/>
+            <a:ext cx="5666105" cy="1965325"/>
+            <a:chOff x="2130425" y="93980"/>
+            <a:chExt cx="5666105" cy="1965325"/>
+          </a:xfrm>
+        </p:grpSpPr>
+        <p:sp>
+          <p:nvSpPr>
+            <p:cNvPr id="3076" name="도형 19"/>
+            <p:cNvSpPr>
+              <a:spLocks/>
+            </p:cNvSpPr>
+            <p:nvPr/>
+          </p:nvSpPr>
+          <p:spPr>
+            <a:xfrm rot="0">
+              <a:off x="2130425" y="103505"/>
+              <a:ext cx="4640580" cy="1955800"/>
+            </a:xfrm>
+            <a:prstGeom prst="rect"/>
+            <a:noFill/>
+            <a:ln w="25400" cap="flat" cmpd="sng">
+              <a:solidFill>
+                <a:srgbClr val="FCCC00">
+                  <a:alpha val="100000"/>
+                </a:srgbClr>
+              </a:solidFill>
+              <a:prstDash val="solid"/>
+            </a:ln>
+          </p:spPr>
+          <p:style>
+            <a:lnRef idx="2">
+              <a:schemeClr val="accent1">
+                <a:shade val="50000"/>
+              </a:schemeClr>
+            </a:lnRef>
+            <a:fillRef idx="1">
+              <a:schemeClr val="accent1"/>
+            </a:fillRef>
+            <a:effectRef idx="0">
+              <a:schemeClr val="accent1"/>
+            </a:effectRef>
+            <a:fontRef idx="minor">
+              <a:schemeClr val="lt1"/>
+            </a:fontRef>
+          </p:style>
+          <p:txBody>
+            <a:bodyPr wrap="square" lIns="91440" tIns="45720" rIns="91440" bIns="45720" vert="horz" anchor="ctr">
+              <a:noAutofit/>
+            </a:bodyPr>
+            <a:lstStyle/>
+            <a:p>
+              <a:pPr marL="0" indent="0" algn="ctr" hangingPunct="1"/>
+              <a:endParaRPr lang="ko-KR" altLang="en-US" sz="1800">
+                <a:latin typeface="맑은 고딕" charset="0"/>
+                <a:ea typeface="맑은 고딕" charset="0"/>
+              </a:endParaRPr>
+            </a:p>
+          </p:txBody>
+        </p:sp>
+        <p:sp>
+          <p:nvSpPr>
+            <p:cNvPr id="3077" name="텍스트 상자 20"/>
+            <p:cNvSpPr txBox="1">
+              <a:spLocks/>
+            </p:cNvSpPr>
+            <p:nvPr/>
+          </p:nvSpPr>
+          <p:spPr>
+            <a:xfrm rot="0">
+              <a:off x="6795770" y="93980"/>
+              <a:ext cx="1000760" cy="109220"/>
+            </a:xfrm>
+            <a:prstGeom prst="rect"/>
+            <a:noFill/>
+            <a:ln w="0" cap="flat" cmpd="sng">
+              <a:solidFill>
+                <a:srgbClr val="FFFFFF">
+                  <a:alpha val="100000"/>
+                </a:srgbClr>
+              </a:solidFill>
+              <a:prstDash/>
+            </a:ln>
+          </p:spPr>
+          <p:txBody>
+            <a:bodyPr wrap="square" lIns="89535" tIns="46355" rIns="89535" bIns="46355" vert="horz" anchor="t">
+              <a:spAutoFit/>
+            </a:bodyPr>
+            <a:lstStyle/>
+            <a:p>
+              <a:pPr marL="0" indent="0" algn="l" hangingPunct="1"/>
+              <a:r>
+                <a:rPr lang="ko-KR" sz="1800">
+                  <a:latin typeface="맑은 고딕" charset="0"/>
+                  <a:ea typeface="맑은 고딕" charset="0"/>
+                </a:rPr>
+                <a:t>section</a:t>
+              </a:r>
+              <a:endParaRPr lang="ko-KR" altLang="en-US" sz="1800">
+                <a:latin typeface="맑은 고딕" charset="0"/>
+                <a:ea typeface="맑은 고딕" charset="0"/>
+              </a:endParaRPr>
+            </a:p>
+          </p:txBody>
+        </p:sp>
+      </p:grpSp>
+      <p:grpSp>
+        <p:nvGrpSpPr>
+          <p:cNvPr id="3078" name="그룹 24"/>
+          <p:cNvGrpSpPr/>
+          <p:nvPr/>
+        </p:nvGrpSpPr>
+        <p:grpSpPr>
+          <a:xfrm rot="0">
+            <a:off x="2117090" y="2200910"/>
+            <a:ext cx="5741035" cy="4632960"/>
+            <a:chOff x="2117090" y="2200910"/>
+            <a:chExt cx="5741035" cy="4632960"/>
+          </a:xfrm>
+        </p:grpSpPr>
+        <p:sp>
+          <p:nvSpPr>
+            <p:cNvPr id="3079" name="도형 22"/>
+            <p:cNvSpPr>
+              <a:spLocks/>
+            </p:cNvSpPr>
+            <p:nvPr/>
+          </p:nvSpPr>
+          <p:spPr>
+            <a:xfrm rot="0">
+              <a:off x="2117090" y="2226310"/>
+              <a:ext cx="4700270" cy="4607560"/>
+            </a:xfrm>
+            <a:prstGeom prst="rect"/>
+            <a:noFill/>
+            <a:ln w="25400" cap="flat" cmpd="sng">
+              <a:solidFill>
+                <a:srgbClr val="FCCC00">
+                  <a:alpha val="100000"/>
+                </a:srgbClr>
+              </a:solidFill>
+              <a:prstDash val="solid"/>
+            </a:ln>
+          </p:spPr>
+          <p:style>
+            <a:lnRef idx="2">
+              <a:schemeClr val="accent1">
+                <a:shade val="50000"/>
+              </a:schemeClr>
+            </a:lnRef>
+            <a:fillRef idx="1">
+              <a:schemeClr val="accent1"/>
+            </a:fillRef>
+            <a:effectRef idx="0">
+              <a:schemeClr val="accent1"/>
+            </a:effectRef>
+            <a:fontRef idx="minor">
+              <a:schemeClr val="lt1"/>
+            </a:fontRef>
+          </p:style>
+          <p:txBody>
+            <a:bodyPr wrap="square" lIns="91440" tIns="45720" rIns="91440" bIns="45720" vert="horz" anchor="ctr">
+              <a:noAutofit/>
+            </a:bodyPr>
+            <a:lstStyle/>
+            <a:p>
+              <a:pPr marL="0" indent="0" algn="ctr" hangingPunct="1"/>
+              <a:endParaRPr lang="ko-KR" altLang="en-US" sz="1800">
+                <a:latin typeface="맑은 고딕" charset="0"/>
+                <a:ea typeface="맑은 고딕" charset="0"/>
+              </a:endParaRPr>
+            </a:p>
+          </p:txBody>
+        </p:sp>
+        <p:sp>
+          <p:nvSpPr>
+            <p:cNvPr id="3080" name="텍스트 상자 23"/>
+            <p:cNvSpPr txBox="1">
+              <a:spLocks/>
+            </p:cNvSpPr>
+            <p:nvPr/>
+          </p:nvSpPr>
+          <p:spPr>
+            <a:xfrm rot="0">
+              <a:off x="6843395" y="2200910"/>
+              <a:ext cx="1014730" cy="257810"/>
+            </a:xfrm>
+            <a:prstGeom prst="rect"/>
+            <a:noFill/>
+            <a:ln w="0" cap="flat" cmpd="sng">
+              <a:solidFill>
+                <a:srgbClr val="FFFFFF">
+                  <a:alpha val="100000"/>
+                </a:srgbClr>
+              </a:solidFill>
+              <a:prstDash/>
+            </a:ln>
+          </p:spPr>
+          <p:txBody>
+            <a:bodyPr wrap="square" lIns="89535" tIns="46355" rIns="89535" bIns="46355" vert="horz" anchor="t">
+              <a:spAutoFit/>
+            </a:bodyPr>
+            <a:lstStyle/>
+            <a:p>
+              <a:pPr marL="0" indent="0" algn="l" hangingPunct="1"/>
+              <a:r>
+                <a:rPr lang="ko-KR" sz="1800">
+                  <a:latin typeface="맑은 고딕" charset="0"/>
+                  <a:ea typeface="맑은 고딕" charset="0"/>
+                </a:rPr>
+                <a:t>section</a:t>
+              </a:r>
+              <a:endParaRPr lang="ko-KR" altLang="en-US" sz="1800">
+                <a:latin typeface="맑은 고딕" charset="0"/>
+                <a:ea typeface="맑은 고딕" charset="0"/>
+              </a:endParaRPr>
+            </a:p>
+          </p:txBody>
+        </p:sp>
+      </p:grpSp>
     </p:spTree>
     <p:extLst>
       <p:ext uri="{BB962C8B-B14F-4D97-AF65-F5344CB8AC3E}">
@@ -4359,6 +5168,21 @@
   <p:clrMapOvr>
     <a:masterClrMapping/>
   </p:clrMapOvr>
+  <mc:AlternateContent xmlns:mc="http://schemas.openxmlformats.org/markup-compatibility/2006">
+    <mc:Choice xmlns:p14="http://schemas.microsoft.com/office/powerpoint/2010/main" Requires="p14">
+      <p:transition spd="slow" p14:dur="2000"/>
+    </mc:Choice>
+    <mc:Fallback>
+      <p:transition spd="slow"/>
+    </mc:Fallback>
+  </mc:AlternateContent>
+  <p:timing>
+    <p:tnLst>
+      <p:par>
+        <p:cTn id="1" dur="indefinite" restart="never" nodeType="tmRoot"/>
+      </p:par>
+    </p:tnLst>
+  </p:timing>
 </p:sld>
 </file>
 

--- a/0330/markup과제.pptx
+++ b/0330/markup과제.pptx
@@ -2,7 +2,7 @@
 <file path=ppt/presentation.xml><?xml version="1.0" encoding="utf-8"?>
 <p:presentation xmlns:a="http://schemas.openxmlformats.org/drawingml/2006/main" xmlns:r="http://schemas.openxmlformats.org/officeDocument/2006/relationships" xmlns:p="http://schemas.openxmlformats.org/presentationml/2006/main" xmlns:p14="http://schemas.microsoft.com/office/powerpoint/2010/main" saveSubsetFonts="1">
   <p:sldMasterIdLst>
-    <p:sldMasterId id="2147483660" r:id="rId13"/>
+    <p:sldMasterId id="2147483664" r:id="rId13"/>
   </p:sldMasterIdLst>
   <p:sldIdLst>
     <p:sldId id="256" r:id="rId15"/>
@@ -110,12 +110,12 @@
   <p:extLst>
     <p:ext uri="{EFAFB233-063F-42B5-8137-9DF3F51BA10A}">
       <p15:sldGuideLst xmlns:p15="http://schemas.microsoft.com/office/powerpoint/2012/main">
-        <p15:guide id="0" orient="horz" pos="2159" userDrawn="1">
+        <p15:guide id="0" orient="horz" pos="2158" userDrawn="1">
           <p15:clr>
             <a:srgbClr val="A4A3A4"/>
           </p15:clr>
         </p15:guide>
-        <p15:guide id="1" pos="2879" userDrawn="1">
+        <p15:guide id="1" pos="2878" userDrawn="1">
           <p15:clr>
             <a:srgbClr val="A4A3A4"/>
           </p15:clr>
@@ -3116,56 +3116,35 @@
       </p:grpSpPr>
       <p:pic>
         <p:nvPicPr>
-          <p:cNvPr id="1026" name="Picture 2"/>
+          <p:cNvPr id="1026" name="Picture 2" descr="C:/Users/acodd/AppData/Roaming/PolarisOffice/ETemp/25272_23283496/image1.png"/>
           <p:cNvPicPr>
-            <a:picLocks noChangeAspect="1" noChangeArrowheads="1"/>
+            <a:picLocks noChangeAspect="1"/>
           </p:cNvPicPr>
           <p:nvPr/>
         </p:nvPicPr>
-        <p:blipFill>
-          <a:blip r:embed="rId2">
+        <p:blipFill rotWithShape="1">
+          <a:blip r:embed="rId2" cstate="print">
             <a:extLst>
               <a:ext uri="{28A0092B-C50C-407E-A947-70E740481C1C}">
                 <a14:useLocalDpi xmlns:a14="http://schemas.microsoft.com/office/drawing/2010/main" val="0"/>
               </a:ext>
             </a:extLst>
           </a:blip>
-          <a:srcRect/>
           <a:stretch>
             <a:fillRect/>
           </a:stretch>
         </p:blipFill>
         <p:spPr bwMode="auto">
-          <a:xfrm>
+          <a:xfrm rot="0">
             <a:off x="-108585" y="55245"/>
-            <a:ext cx="9372600" cy="7486650"/>
+            <a:ext cx="9373235" cy="7487285"/>
           </a:xfrm>
-          <a:prstGeom prst="rect">
-            <a:avLst/>
-          </a:prstGeom>
+          <a:prstGeom prst="rect"/>
           <a:noFill/>
-          <a:ln>
+          <a:ln w="0">
             <a:noFill/>
+            <a:prstDash/>
           </a:ln>
-          <a:extLst>
-            <a:ext uri="{909E8E84-426E-40DD-AFC4-6F175D3DCCD1}">
-              <a14:hiddenFill xmlns:a14="http://schemas.microsoft.com/office/drawing/2010/main">
-                <a:solidFill>
-                  <a:schemeClr val="accent1"/>
-                </a:solidFill>
-              </a14:hiddenFill>
-            </a:ext>
-            <a:ext uri="{91240B29-F687-4F45-9708-019B960494DF}">
-              <a14:hiddenLine xmlns:a14="http://schemas.microsoft.com/office/drawing/2010/main" w="9525">
-                <a:solidFill>
-                  <a:schemeClr val="tx1"/>
-                </a:solidFill>
-                <a:miter lim="800000"/>
-                <a:headEnd/>
-                <a:tailEnd/>
-              </a14:hiddenLine>
-            </a:ext>
-          </a:extLst>
         </p:spPr>
       </p:pic>
       <p:sp>
@@ -3217,30 +3196,34 @@
       <p:sp>
         <p:nvSpPr>
           <p:cNvPr id="5" name="TextBox 4"/>
-          <p:cNvSpPr txBox="1"/>
+          <p:cNvSpPr txBox="1">
+            <a:spLocks/>
+          </p:cNvSpPr>
           <p:nvPr/>
         </p:nvSpPr>
         <p:spPr>
-          <a:xfrm>
-            <a:off x="107315" y="332740"/>
-            <a:ext cx="1440180" cy="215265"/>
+          <a:xfrm rot="0">
+            <a:off x="131445" y="260350"/>
+            <a:ext cx="1440815" cy="307340"/>
           </a:xfrm>
-          <a:prstGeom prst="rect">
-            <a:avLst/>
-          </a:prstGeom>
+          <a:prstGeom prst="rect"/>
           <a:noFill/>
         </p:spPr>
         <p:txBody>
-          <a:bodyPr wrap="square" rtlCol="0">
+          <a:bodyPr wrap="square" lIns="91440" tIns="45720" rIns="91440" bIns="45720" numCol="1" vert="horz" anchor="t">
             <a:spAutoFit/>
           </a:bodyPr>
           <a:lstStyle/>
           <a:p>
-            <a:r>
-              <a:rPr lang="en-US" altLang="ko-KR" sz="800" b="1" dirty="0" smtClean="0"/>
+            <a:pPr marL="0" indent="0" latinLnBrk="0">
+              <a:buFontTx/>
+              <a:buNone/>
+            </a:pPr>
+            <a:r>
+              <a:rPr lang="en-US" altLang="ko-KR" sz="1400" b="1"/>
               <a:t>HEADER</a:t>
             </a:r>
-            <a:endParaRPr lang="ko-KR" altLang="en-US" sz="800" b="1" dirty="0"/>
+            <a:endParaRPr lang="ko-KR" altLang="en-US" sz="1400" b="1"/>
           </a:p>
         </p:txBody>
       </p:sp>
@@ -3492,370 +3475,6 @@
               <a:t>l,li</a:t>
             </a:r>
             <a:endParaRPr lang="ko-KR" altLang="en-US" sz="800" b="1" dirty="0"/>
-          </a:p>
-        </p:txBody>
-      </p:sp>
-      <p:sp>
-        <p:nvSpPr>
-          <p:cNvPr id="15" name="직사각형 14"/>
-          <p:cNvSpPr/>
-          <p:nvPr/>
-        </p:nvSpPr>
-        <p:spPr>
-          <a:xfrm>
-            <a:off x="574675" y="653415"/>
-            <a:ext cx="431800" cy="431800"/>
-          </a:xfrm>
-          <a:prstGeom prst="rect">
-            <a:avLst/>
-          </a:prstGeom>
-          <a:noFill/>
-          <a:ln>
-            <a:solidFill>
-              <a:srgbClr val="FF0000"/>
-            </a:solidFill>
-          </a:ln>
-        </p:spPr>
-        <p:style>
-          <a:lnRef idx="2">
-            <a:schemeClr val="accent1">
-              <a:shade val="50000"/>
-            </a:schemeClr>
-          </a:lnRef>
-          <a:fillRef idx="1">
-            <a:schemeClr val="accent1"/>
-          </a:fillRef>
-          <a:effectRef idx="0">
-            <a:schemeClr val="accent1"/>
-          </a:effectRef>
-          <a:fontRef idx="minor">
-            <a:schemeClr val="lt1"/>
-          </a:fontRef>
-        </p:style>
-        <p:txBody>
-          <a:bodyPr rtlCol="0" anchor="ctr"/>
-          <a:lstStyle/>
-          <a:p>
-            <a:pPr algn="ctr"/>
-            <a:endParaRPr lang="ko-KR" altLang="en-US"/>
-          </a:p>
-        </p:txBody>
-      </p:sp>
-      <p:sp>
-        <p:nvSpPr>
-          <p:cNvPr id="13" name="TextBox 12"/>
-          <p:cNvSpPr txBox="1"/>
-          <p:nvPr/>
-        </p:nvSpPr>
-        <p:spPr>
-          <a:xfrm>
-            <a:off x="971550" y="652145"/>
-            <a:ext cx="1902460" cy="369570"/>
-          </a:xfrm>
-          <a:prstGeom prst="rect">
-            <a:avLst/>
-          </a:prstGeom>
-          <a:noFill/>
-        </p:spPr>
-        <p:txBody>
-          <a:bodyPr wrap="none" rtlCol="0">
-            <a:spAutoFit/>
-          </a:bodyPr>
-          <a:lstStyle/>
-          <a:p>
-            <a:r>
-              <a:rPr lang="ko-KR" altLang="en-US" dirty="0" smtClean="0"/>
-              <a:t>빨간색 </a:t>
-            </a:r>
-            <a:r>
-              <a:rPr lang="en-US" altLang="ko-KR" dirty="0" smtClean="0"/>
-              <a:t>= button</a:t>
-            </a:r>
-            <a:endParaRPr lang="ko-KR" altLang="en-US" dirty="0"/>
-          </a:p>
-        </p:txBody>
-      </p:sp>
-      <p:sp>
-        <p:nvSpPr>
-          <p:cNvPr id="17" name="직사각형 16"/>
-          <p:cNvSpPr/>
-          <p:nvPr/>
-        </p:nvSpPr>
-        <p:spPr>
-          <a:xfrm>
-            <a:off x="1475740" y="313055"/>
-            <a:ext cx="504190" cy="127635"/>
-          </a:xfrm>
-          <a:prstGeom prst="rect">
-            <a:avLst/>
-          </a:prstGeom>
-          <a:noFill/>
-          <a:ln>
-            <a:solidFill>
-              <a:srgbClr val="FF0000"/>
-            </a:solidFill>
-          </a:ln>
-        </p:spPr>
-        <p:style>
-          <a:lnRef idx="2">
-            <a:schemeClr val="accent1">
-              <a:shade val="50000"/>
-            </a:schemeClr>
-          </a:lnRef>
-          <a:fillRef idx="1">
-            <a:schemeClr val="accent1"/>
-          </a:fillRef>
-          <a:effectRef idx="0">
-            <a:schemeClr val="accent1"/>
-          </a:effectRef>
-          <a:fontRef idx="minor">
-            <a:schemeClr val="lt1"/>
-          </a:fontRef>
-        </p:style>
-        <p:txBody>
-          <a:bodyPr rtlCol="0" anchor="ctr"/>
-          <a:lstStyle/>
-          <a:p>
-            <a:pPr algn="ctr"/>
-            <a:endParaRPr lang="ko-KR" altLang="en-US"/>
-          </a:p>
-        </p:txBody>
-      </p:sp>
-      <p:sp>
-        <p:nvSpPr>
-          <p:cNvPr id="18" name="직사각형 17"/>
-          <p:cNvSpPr/>
-          <p:nvPr/>
-        </p:nvSpPr>
-        <p:spPr>
-          <a:xfrm>
-            <a:off x="6924675" y="304800"/>
-            <a:ext cx="527685" cy="140970"/>
-          </a:xfrm>
-          <a:prstGeom prst="rect">
-            <a:avLst/>
-          </a:prstGeom>
-          <a:noFill/>
-          <a:ln>
-            <a:solidFill>
-              <a:srgbClr val="FF0000"/>
-            </a:solidFill>
-          </a:ln>
-        </p:spPr>
-        <p:style>
-          <a:lnRef idx="2">
-            <a:schemeClr val="accent1">
-              <a:shade val="50000"/>
-            </a:schemeClr>
-          </a:lnRef>
-          <a:fillRef idx="1">
-            <a:schemeClr val="accent1"/>
-          </a:fillRef>
-          <a:effectRef idx="0">
-            <a:schemeClr val="accent1"/>
-          </a:effectRef>
-          <a:fontRef idx="minor">
-            <a:schemeClr val="lt1"/>
-          </a:fontRef>
-        </p:style>
-        <p:txBody>
-          <a:bodyPr rtlCol="0" anchor="ctr"/>
-          <a:lstStyle/>
-          <a:p>
-            <a:pPr algn="ctr"/>
-            <a:endParaRPr lang="ko-KR" altLang="en-US"/>
-          </a:p>
-        </p:txBody>
-      </p:sp>
-      <p:sp>
-        <p:nvSpPr>
-          <p:cNvPr id="19" name="직사각형 18"/>
-          <p:cNvSpPr>
-            <a:spLocks/>
-          </p:cNvSpPr>
-          <p:nvPr/>
-        </p:nvSpPr>
-        <p:spPr>
-          <a:xfrm rot="0">
-            <a:off x="575310" y="2060575"/>
-            <a:ext cx="432435" cy="432435"/>
-          </a:xfrm>
-          <a:prstGeom prst="rect"/>
-          <a:noFill/>
-          <a:ln w="25400" cap="flat" cmpd="sng">
-            <a:solidFill>
-              <a:srgbClr val="FF0000">
-                <a:alpha val="100000"/>
-              </a:srgbClr>
-            </a:solidFill>
-            <a:prstDash val="solid"/>
-          </a:ln>
-        </p:spPr>
-        <p:style>
-          <a:lnRef idx="2">
-            <a:schemeClr val="accent1">
-              <a:shade val="50000"/>
-            </a:schemeClr>
-          </a:lnRef>
-          <a:fillRef idx="1">
-            <a:schemeClr val="accent1"/>
-          </a:fillRef>
-          <a:effectRef idx="0">
-            <a:schemeClr val="accent1"/>
-          </a:effectRef>
-          <a:fontRef idx="minor">
-            <a:schemeClr val="lt1"/>
-          </a:fontRef>
-        </p:style>
-        <p:txBody>
-          <a:bodyPr wrap="square" lIns="91440" tIns="45720" rIns="91440" bIns="45720" numCol="1" vert="horz" anchor="ctr">
-            <a:noAutofit/>
-          </a:bodyPr>
-          <a:lstStyle/>
-          <a:p>
-            <a:pPr marL="0" indent="0" algn="ctr" latinLnBrk="0">
-              <a:buFontTx/>
-              <a:buNone/>
-            </a:pPr>
-            <a:endParaRPr lang="ko-KR" altLang="en-US"/>
-          </a:p>
-        </p:txBody>
-      </p:sp>
-      <p:sp>
-        <p:nvSpPr>
-          <p:cNvPr id="20" name="직사각형 19"/>
-          <p:cNvSpPr/>
-          <p:nvPr/>
-        </p:nvSpPr>
-        <p:spPr>
-          <a:xfrm>
-            <a:off x="8028305" y="2060575"/>
-            <a:ext cx="431800" cy="431800"/>
-          </a:xfrm>
-          <a:prstGeom prst="rect">
-            <a:avLst/>
-          </a:prstGeom>
-          <a:noFill/>
-          <a:ln>
-            <a:solidFill>
-              <a:srgbClr val="FF0000"/>
-            </a:solidFill>
-          </a:ln>
-        </p:spPr>
-        <p:style>
-          <a:lnRef idx="2">
-            <a:schemeClr val="accent1">
-              <a:shade val="50000"/>
-            </a:schemeClr>
-          </a:lnRef>
-          <a:fillRef idx="1">
-            <a:schemeClr val="accent1"/>
-          </a:fillRef>
-          <a:effectRef idx="0">
-            <a:schemeClr val="accent1"/>
-          </a:effectRef>
-          <a:fontRef idx="minor">
-            <a:schemeClr val="lt1"/>
-          </a:fontRef>
-        </p:style>
-        <p:txBody>
-          <a:bodyPr rtlCol="0" anchor="ctr"/>
-          <a:lstStyle/>
-          <a:p>
-            <a:pPr algn="ctr"/>
-            <a:endParaRPr lang="ko-KR" altLang="en-US"/>
-          </a:p>
-        </p:txBody>
-      </p:sp>
-      <p:sp>
-        <p:nvSpPr>
-          <p:cNvPr id="21" name="직사각형 20"/>
-          <p:cNvSpPr/>
-          <p:nvPr/>
-        </p:nvSpPr>
-        <p:spPr>
-          <a:xfrm>
-            <a:off x="1438275" y="2420620"/>
-            <a:ext cx="1045210" cy="431800"/>
-          </a:xfrm>
-          <a:prstGeom prst="rect">
-            <a:avLst/>
-          </a:prstGeom>
-          <a:noFill/>
-          <a:ln>
-            <a:solidFill>
-              <a:srgbClr val="FF0000"/>
-            </a:solidFill>
-          </a:ln>
-        </p:spPr>
-        <p:style>
-          <a:lnRef idx="2">
-            <a:schemeClr val="accent1">
-              <a:shade val="50000"/>
-            </a:schemeClr>
-          </a:lnRef>
-          <a:fillRef idx="1">
-            <a:schemeClr val="accent1"/>
-          </a:fillRef>
-          <a:effectRef idx="0">
-            <a:schemeClr val="accent1"/>
-          </a:effectRef>
-          <a:fontRef idx="minor">
-            <a:schemeClr val="lt1"/>
-          </a:fontRef>
-        </p:style>
-        <p:txBody>
-          <a:bodyPr rtlCol="0" anchor="ctr"/>
-          <a:lstStyle/>
-          <a:p>
-            <a:pPr algn="ctr"/>
-            <a:endParaRPr lang="ko-KR" altLang="en-US"/>
-          </a:p>
-        </p:txBody>
-      </p:sp>
-      <p:sp>
-        <p:nvSpPr>
-          <p:cNvPr id="22" name="직사각형 21"/>
-          <p:cNvSpPr/>
-          <p:nvPr/>
-        </p:nvSpPr>
-        <p:spPr>
-          <a:xfrm>
-            <a:off x="8436610" y="5085080"/>
-            <a:ext cx="431800" cy="431800"/>
-          </a:xfrm>
-          <a:prstGeom prst="rect">
-            <a:avLst/>
-          </a:prstGeom>
-          <a:noFill/>
-          <a:ln>
-            <a:solidFill>
-              <a:srgbClr val="FF0000"/>
-            </a:solidFill>
-          </a:ln>
-        </p:spPr>
-        <p:style>
-          <a:lnRef idx="2">
-            <a:schemeClr val="accent1">
-              <a:shade val="50000"/>
-            </a:schemeClr>
-          </a:lnRef>
-          <a:fillRef idx="1">
-            <a:schemeClr val="accent1"/>
-          </a:fillRef>
-          <a:effectRef idx="0">
-            <a:schemeClr val="accent1"/>
-          </a:effectRef>
-          <a:fontRef idx="minor">
-            <a:schemeClr val="lt1"/>
-          </a:fontRef>
-        </p:style>
-        <p:txBody>
-          <a:bodyPr rtlCol="0" anchor="ctr"/>
-          <a:lstStyle/>
-          <a:p>
-            <a:pPr algn="ctr"/>
-            <a:endParaRPr lang="ko-KR" altLang="en-US"/>
           </a:p>
         </p:txBody>
       </p:sp>
@@ -4052,22 +3671,25 @@
       <p:sp>
         <p:nvSpPr>
           <p:cNvPr id="23" name="직사각형 22"/>
-          <p:cNvSpPr/>
+          <p:cNvSpPr>
+            <a:spLocks/>
+          </p:cNvSpPr>
           <p:nvPr/>
         </p:nvSpPr>
         <p:spPr>
-          <a:xfrm>
+          <a:xfrm rot="0">
             <a:off x="179705" y="620395"/>
-            <a:ext cx="8352790" cy="6768465"/>
+            <a:ext cx="8353425" cy="6769100"/>
           </a:xfrm>
-          <a:prstGeom prst="rect">
-            <a:avLst/>
-          </a:prstGeom>
+          <a:prstGeom prst="rect"/>
           <a:noFill/>
-          <a:ln>
+          <a:ln w="25400" cap="flat" cmpd="sng">
             <a:solidFill>
-              <a:schemeClr val="accent5"/>
+              <a:schemeClr val="accent5">
+                <a:alpha val="100000"/>
+              </a:schemeClr>
             </a:solidFill>
+            <a:prstDash val="solid"/>
           </a:ln>
         </p:spPr>
         <p:style>
@@ -4087,10 +3709,15 @@
           </a:fontRef>
         </p:style>
         <p:txBody>
-          <a:bodyPr rtlCol="0" anchor="ctr"/>
+          <a:bodyPr wrap="square" lIns="91440" tIns="45720" rIns="91440" bIns="45720" numCol="1" vert="horz" anchor="ctr">
+            <a:noAutofit/>
+          </a:bodyPr>
           <a:lstStyle/>
           <a:p>
-            <a:pPr algn="ctr"/>
+            <a:pPr marL="0" indent="0" algn="ctr" latinLnBrk="0">
+              <a:buFontTx/>
+              <a:buNone/>
+            </a:pPr>
             <a:endParaRPr lang="ko-KR" altLang="en-US"/>
           </a:p>
         </p:txBody>
@@ -4104,7 +3731,7 @@
         <p:spPr>
           <a:xfrm>
             <a:off x="257175" y="7019925"/>
-            <a:ext cx="907415" cy="369570"/>
+            <a:ext cx="2693670" cy="368935"/>
           </a:xfrm>
           <a:prstGeom prst="rect">
             <a:avLst/>
@@ -4112,20 +3739,28 @@
           <a:noFill/>
         </p:spPr>
         <p:txBody>
-          <a:bodyPr wrap="none" rtlCol="0">
+          <a:bodyPr wrap="none" lIns="91440" tIns="45720" rIns="91440" bIns="45720" numCol="1" vert="horz" anchor="t">
             <a:spAutoFit/>
           </a:bodyPr>
           <a:lstStyle/>
           <a:p>
-            <a:r>
-              <a:rPr lang="en-US" altLang="ko-KR" b="1" dirty="0" smtClean="0"/>
+            <a:pPr marL="0" indent="0" latinLnBrk="0">
+              <a:buFontTx/>
+              <a:buNone/>
+            </a:pPr>
+            <a:r>
+              <a:rPr lang="en-US" altLang="ko-KR" b="1"/>
               <a:t>MAIN</a:t>
             </a:r>
             <a:r>
-              <a:rPr lang="en-US" altLang="ko-KR" dirty="0" smtClean="0"/>
+              <a:rPr lang="ko-KR" altLang="ko-KR" b="1"/>
+              <a:t>(FOOTER 전까지)</a:t>
+            </a:r>
+            <a:r>
+              <a:rPr lang="en-US" altLang="ko-KR"/>
               <a:t> </a:t>
             </a:r>
-            <a:endParaRPr lang="ko-KR" altLang="en-US" dirty="0"/>
+            <a:endParaRPr lang="ko-KR" altLang="en-US"/>
           </a:p>
         </p:txBody>
       </p:sp>
@@ -4205,60 +3840,112 @@
           </a:p>
         </p:txBody>
       </p:sp>
-      <p:sp>
-        <p:nvSpPr>
-          <p:cNvPr id="1027" name="도형 1"/>
-          <p:cNvSpPr>
-            <a:spLocks/>
-          </p:cNvSpPr>
+      <p:grpSp>
+        <p:nvGrpSpPr>
+          <p:cNvPr id="3088" name="그룹 36"/>
+          <p:cNvGrpSpPr/>
           <p:nvPr/>
-        </p:nvSpPr>
-        <p:spPr>
+        </p:nvGrpSpPr>
+        <p:grpSpPr>
           <a:xfrm rot="0">
-            <a:off x="4000500" y="6929755"/>
-            <a:ext cx="905510" cy="349885"/>
+            <a:off x="3199765" y="6555740"/>
+            <a:ext cx="2584450" cy="370205"/>
+            <a:chOff x="3199765" y="6555740"/>
+            <a:chExt cx="2584450" cy="370205"/>
           </a:xfrm>
-          <a:prstGeom prst="rect"/>
-          <a:noFill/>
-          <a:ln w="25400" cap="flat" cmpd="sng">
-            <a:solidFill>
-              <a:srgbClr val="FF0000">
-                <a:alpha val="100000"/>
-              </a:srgbClr>
-            </a:solidFill>
-            <a:prstDash val="solid"/>
-          </a:ln>
-        </p:spPr>
-        <p:style>
-          <a:lnRef idx="2">
-            <a:schemeClr val="accent1">
-              <a:shade val="50000"/>
-            </a:schemeClr>
-          </a:lnRef>
-          <a:fillRef idx="1">
-            <a:schemeClr val="accent1"/>
-          </a:fillRef>
-          <a:effectRef idx="0">
-            <a:schemeClr val="accent1"/>
-          </a:effectRef>
-          <a:fontRef idx="minor">
-            <a:schemeClr val="lt1"/>
-          </a:fontRef>
-        </p:style>
-        <p:txBody>
-          <a:bodyPr wrap="square" lIns="91440" tIns="45720" rIns="91440" bIns="45720" numCol="1" vert="horz" anchor="ctr">
-            <a:noAutofit/>
-          </a:bodyPr>
-          <a:lstStyle/>
-          <a:p>
-            <a:pPr marL="0" indent="0" algn="ctr" latinLnBrk="0">
-              <a:buFontTx/>
-              <a:buNone/>
-            </a:pPr>
-            <a:endParaRPr lang="ko-KR" altLang="en-US"/>
-          </a:p>
-        </p:txBody>
-      </p:sp>
+        </p:grpSpPr>
+        <p:sp>
+          <p:nvSpPr>
+            <p:cNvPr id="3089" name="도형 34"/>
+            <p:cNvSpPr>
+              <a:spLocks/>
+            </p:cNvSpPr>
+            <p:nvPr/>
+          </p:nvSpPr>
+          <p:spPr>
+            <a:xfrm rot="0">
+              <a:off x="3287395" y="6619240"/>
+              <a:ext cx="2496820" cy="235585"/>
+            </a:xfrm>
+            <a:prstGeom prst="rect"/>
+            <a:noFill/>
+          </p:spPr>
+          <p:style>
+            <a:lnRef idx="2">
+              <a:schemeClr val="accent1">
+                <a:shade val="50000"/>
+              </a:schemeClr>
+            </a:lnRef>
+            <a:fillRef idx="1">
+              <a:schemeClr val="accent1"/>
+            </a:fillRef>
+            <a:effectRef idx="0">
+              <a:schemeClr val="accent1"/>
+            </a:effectRef>
+            <a:fontRef idx="minor">
+              <a:schemeClr val="lt1"/>
+            </a:fontRef>
+          </p:style>
+          <p:txBody>
+            <a:bodyPr wrap="square" lIns="91440" tIns="45720" rIns="91440" bIns="45720" vert="horz" anchor="ctr">
+              <a:noAutofit/>
+            </a:bodyPr>
+            <a:lstStyle/>
+            <a:p>
+              <a:pPr marL="0" indent="0" algn="ctr" hangingPunct="1"/>
+              <a:endParaRPr lang="ko-KR" altLang="en-US" sz="1800">
+                <a:latin typeface="맑은 고딕" charset="0"/>
+                <a:ea typeface="맑은 고딕" charset="0"/>
+              </a:endParaRPr>
+            </a:p>
+          </p:txBody>
+        </p:sp>
+        <p:sp>
+          <p:nvSpPr>
+            <p:cNvPr id="3090" name="텍스트 상자 35"/>
+            <p:cNvSpPr txBox="1">
+              <a:spLocks/>
+            </p:cNvSpPr>
+            <p:nvPr/>
+          </p:nvSpPr>
+          <p:spPr>
+            <a:xfrm rot="0">
+              <a:off x="3199765" y="6555740"/>
+              <a:ext cx="651510" cy="370205"/>
+            </a:xfrm>
+            <a:prstGeom prst="rect"/>
+            <a:noFill/>
+            <a:ln w="0" cap="flat" cmpd="sng">
+              <a:solidFill>
+                <a:srgbClr val="FFFFFF">
+                  <a:alpha val="100000"/>
+                </a:srgbClr>
+              </a:solidFill>
+              <a:prstDash/>
+            </a:ln>
+          </p:spPr>
+          <p:txBody>
+            <a:bodyPr wrap="none" lIns="89535" tIns="46355" rIns="89535" bIns="46355" vert="horz" anchor="t">
+              <a:spAutoFit/>
+            </a:bodyPr>
+            <a:lstStyle/>
+            <a:p>
+              <a:pPr marL="0" indent="0" algn="l" hangingPunct="1"/>
+              <a:r>
+                <a:rPr lang="ko-KR" sz="1800">
+                  <a:latin typeface="맑은 고딕" charset="0"/>
+                  <a:ea typeface="맑은 고딕" charset="0"/>
+                </a:rPr>
+                <a:t>H2</a:t>
+              </a:r>
+              <a:endParaRPr lang="ko-KR" altLang="en-US" sz="1800">
+                <a:latin typeface="맑은 고딕" charset="0"/>
+                <a:ea typeface="맑은 고딕" charset="0"/>
+              </a:endParaRPr>
+            </a:p>
+          </p:txBody>
+        </p:sp>
+      </p:grpSp>
     </p:spTree>
     <p:extLst>
       <p:ext uri="{BB962C8B-B14F-4D97-AF65-F5344CB8AC3E}">
@@ -4306,17 +3993,17 @@
       </p:grpSpPr>
       <p:pic>
         <p:nvPicPr>
-          <p:cNvPr id="2050" name="Picture 2" descr="C:/Users/acodd/AppData/Roaming/PolarisOffice/ETemp/33320_14875312/image2.png"/>
+          <p:cNvPr id="2050" name="Picture 2" descr="C:/Users/acodd/AppData/Roaming/PolarisOffice/ETemp/25272_23283496/image2.png"/>
           <p:cNvPicPr>
             <a:picLocks noChangeAspect="1"/>
           </p:cNvPicPr>
           <p:nvPr/>
         </p:nvPicPr>
         <p:blipFill rotWithShape="1">
-          <a:blip r:embed="rId2" cstate="print">
+          <a:blip r:embed="rId2" cstate="hqprint">
             <a:extLst>
               <a:ext uri="{28A0092B-C50C-407E-A947-70E740481C1C}">
-                <a14:useLocalDpi xmlns:a14="http://schemas.microsoft.com/office/drawing/2010/main" val="0"/>
+                <a14:useLocalDpi xmlns:a14="http://schemas.microsoft.com/office/drawing/2010/main"/>
               </a:ext>
             </a:extLst>
           </a:blip>
@@ -4326,8 +4013,8 @@
         </p:blipFill>
         <p:spPr bwMode="auto">
           <a:xfrm rot="0">
-            <a:off x="971550" y="98425"/>
-            <a:ext cx="7633335" cy="6705600"/>
+            <a:off x="971550" y="80645"/>
+            <a:ext cx="7633970" cy="6706235"/>
           </a:xfrm>
           <a:prstGeom prst="rect"/>
           <a:noFill/>
@@ -4728,10 +4415,10 @@
           <p:nvPr/>
         </p:nvGrpSpPr>
         <p:grpSpPr>
-          <a:xfrm rot="0">
-            <a:off x="2369185" y="95250"/>
+          <a:xfrm>
+            <a:off x="2365375" y="123825"/>
             <a:ext cx="5162550" cy="6668135"/>
-            <a:chOff x="2369185" y="95250"/>
+            <a:chOff x="2365375" y="123825"/>
             <a:chExt cx="5162550" cy="6668135"/>
           </a:xfrm>
         </p:grpSpPr>
@@ -4745,8 +4432,8 @@
           </p:nvSpPr>
           <p:spPr>
             <a:xfrm rot="0">
-              <a:off x="2369185" y="131445"/>
-              <a:ext cx="4227195" cy="6631940"/>
+              <a:off x="2365375" y="160020"/>
+              <a:ext cx="4227830" cy="6632575"/>
             </a:xfrm>
             <a:prstGeom prst="rect"/>
             <a:noFill/>
@@ -4758,6 +4445,114 @@
               </a:solidFill>
               <a:prstDash val="solid"/>
             </a:ln>
+          </p:spPr>
+          <p:style>
+            <a:lnRef idx="2">
+              <a:schemeClr val="accent1">
+                <a:shade val="50000"/>
+              </a:schemeClr>
+            </a:lnRef>
+            <a:fillRef idx="1">
+              <a:schemeClr val="accent1"/>
+            </a:fillRef>
+            <a:effectRef idx="0">
+              <a:schemeClr val="accent1"/>
+            </a:effectRef>
+            <a:fontRef idx="minor">
+              <a:schemeClr val="lt1"/>
+            </a:fontRef>
+          </p:style>
+          <p:txBody>
+            <a:bodyPr wrap="square" lIns="91440" tIns="45720" rIns="91440" bIns="45720" numCol="1" vert="horz" anchor="ctr">
+              <a:noAutofit/>
+            </a:bodyPr>
+            <a:lstStyle/>
+            <a:p>
+              <a:pPr marL="0" indent="0" algn="ctr" latinLnBrk="0" hangingPunct="1">
+                <a:buFontTx/>
+                <a:buNone/>
+              </a:pPr>
+              <a:endParaRPr lang="ko-KR" altLang="en-US" sz="1800">
+                <a:latin typeface="맑은 고딕" charset="0"/>
+                <a:ea typeface="맑은 고딕" charset="0"/>
+              </a:endParaRPr>
+            </a:p>
+          </p:txBody>
+        </p:sp>
+        <p:sp>
+          <p:nvSpPr>
+            <p:cNvPr id="2061" name="텍스트 상자 17"/>
+            <p:cNvSpPr txBox="1">
+              <a:spLocks/>
+            </p:cNvSpPr>
+            <p:nvPr/>
+          </p:nvSpPr>
+          <p:spPr>
+            <a:xfrm rot="0">
+              <a:off x="6616065" y="123825"/>
+              <a:ext cx="912495" cy="370840"/>
+            </a:xfrm>
+            <a:prstGeom prst="rect"/>
+            <a:noFill/>
+            <a:ln w="0">
+              <a:noFill/>
+              <a:prstDash/>
+            </a:ln>
+          </p:spPr>
+          <p:txBody>
+            <a:bodyPr wrap="square" lIns="89535" tIns="46355" rIns="89535" bIns="46355" numCol="1" vert="horz" anchor="t">
+              <a:spAutoFit/>
+            </a:bodyPr>
+            <a:lstStyle/>
+            <a:p>
+              <a:pPr marL="0" indent="0" algn="l" latinLnBrk="0" hangingPunct="1">
+                <a:buFontTx/>
+                <a:buNone/>
+              </a:pPr>
+              <a:r>
+                <a:rPr lang="ko-KR" sz="1800">
+                  <a:latin typeface="맑은 고딕" charset="0"/>
+                  <a:ea typeface="맑은 고딕" charset="0"/>
+                </a:rPr>
+                <a:t>section</a:t>
+              </a:r>
+              <a:endParaRPr lang="ko-KR" altLang="en-US" sz="1800">
+                <a:latin typeface="맑은 고딕" charset="0"/>
+                <a:ea typeface="맑은 고딕" charset="0"/>
+              </a:endParaRPr>
+            </a:p>
+          </p:txBody>
+        </p:sp>
+      </p:grpSp>
+      <p:grpSp>
+        <p:nvGrpSpPr>
+          <p:cNvPr id="3085" name="그룹 9"/>
+          <p:cNvGrpSpPr/>
+          <p:nvPr/>
+        </p:nvGrpSpPr>
+        <p:grpSpPr>
+          <a:xfrm rot="0">
+            <a:off x="3347720" y="1619885"/>
+            <a:ext cx="1864360" cy="370205"/>
+            <a:chOff x="3347720" y="1619885"/>
+            <a:chExt cx="1864360" cy="370205"/>
+          </a:xfrm>
+        </p:grpSpPr>
+        <p:sp>
+          <p:nvSpPr>
+            <p:cNvPr id="3086" name="도형 7"/>
+            <p:cNvSpPr>
+              <a:spLocks/>
+            </p:cNvSpPr>
+            <p:nvPr/>
+          </p:nvSpPr>
+          <p:spPr>
+            <a:xfrm rot="0">
+              <a:off x="3411220" y="1683385"/>
+              <a:ext cx="1800860" cy="235585"/>
+            </a:xfrm>
+            <a:prstGeom prst="rect"/>
+            <a:noFill/>
           </p:spPr>
           <p:style>
             <a:lnRef idx="2">
@@ -4791,7 +4586,7 @@
         </p:sp>
         <p:sp>
           <p:nvSpPr>
-            <p:cNvPr id="2061" name="텍스트 상자 17"/>
+            <p:cNvPr id="3087" name="텍스트 상자 8"/>
             <p:cNvSpPr txBox="1">
               <a:spLocks/>
             </p:cNvSpPr>
@@ -4799,18 +4594,22 @@
           </p:nvSpPr>
           <p:spPr>
             <a:xfrm rot="0">
-              <a:off x="6619875" y="95250"/>
-              <a:ext cx="911860" cy="370205"/>
+              <a:off x="3347720" y="1619885"/>
+              <a:ext cx="470535" cy="370205"/>
             </a:xfrm>
             <a:prstGeom prst="rect"/>
             <a:noFill/>
-            <a:ln w="0">
-              <a:noFill/>
+            <a:ln w="0" cap="flat" cmpd="sng">
+              <a:solidFill>
+                <a:srgbClr val="FFFFFF">
+                  <a:alpha val="100000"/>
+                </a:srgbClr>
+              </a:solidFill>
               <a:prstDash/>
             </a:ln>
           </p:spPr>
           <p:txBody>
-            <a:bodyPr wrap="square" lIns="89535" tIns="46355" rIns="89535" bIns="46355" vert="horz" anchor="t">
+            <a:bodyPr wrap="none" lIns="89535" tIns="46355" rIns="89535" bIns="46355" vert="horz" anchor="t">
               <a:spAutoFit/>
             </a:bodyPr>
             <a:lstStyle/>
@@ -4821,9 +4620,233 @@
                   <a:latin typeface="맑은 고딕" charset="0"/>
                   <a:ea typeface="맑은 고딕" charset="0"/>
                 </a:rPr>
-                <a:t>section</a:t>
+                <a:t>H2</a:t>
               </a:r>
               <a:endParaRPr lang="ko-KR" altLang="en-US" sz="1800">
+                <a:latin typeface="맑은 고딕" charset="0"/>
+                <a:ea typeface="맑은 고딕" charset="0"/>
+              </a:endParaRPr>
+            </a:p>
+          </p:txBody>
+        </p:sp>
+      </p:grpSp>
+      <p:grpSp>
+        <p:nvGrpSpPr>
+          <p:cNvPr id="3088" name="그룹 12"/>
+          <p:cNvGrpSpPr/>
+          <p:nvPr/>
+        </p:nvGrpSpPr>
+        <p:grpSpPr>
+          <a:xfrm rot="0">
+            <a:off x="3447415" y="3872865"/>
+            <a:ext cx="1864360" cy="370205"/>
+            <a:chOff x="3447415" y="3872865"/>
+            <a:chExt cx="1864360" cy="370205"/>
+          </a:xfrm>
+        </p:grpSpPr>
+        <p:sp>
+          <p:nvSpPr>
+            <p:cNvPr id="3089" name="도형 10"/>
+            <p:cNvSpPr>
+              <a:spLocks/>
+            </p:cNvSpPr>
+            <p:nvPr/>
+          </p:nvSpPr>
+          <p:spPr>
+            <a:xfrm rot="0">
+              <a:off x="3510915" y="3936365"/>
+              <a:ext cx="1800860" cy="235585"/>
+            </a:xfrm>
+            <a:prstGeom prst="rect"/>
+            <a:noFill/>
+          </p:spPr>
+          <p:style>
+            <a:lnRef idx="2">
+              <a:schemeClr val="accent1">
+                <a:shade val="50000"/>
+              </a:schemeClr>
+            </a:lnRef>
+            <a:fillRef idx="1">
+              <a:schemeClr val="accent1"/>
+            </a:fillRef>
+            <a:effectRef idx="0">
+              <a:schemeClr val="accent1"/>
+            </a:effectRef>
+            <a:fontRef idx="minor">
+              <a:schemeClr val="lt1"/>
+            </a:fontRef>
+          </p:style>
+          <p:txBody>
+            <a:bodyPr wrap="square" lIns="91440" tIns="45720" rIns="91440" bIns="45720" vert="horz" anchor="ctr">
+              <a:noAutofit/>
+            </a:bodyPr>
+            <a:lstStyle/>
+            <a:p>
+              <a:pPr marL="0" indent="0" algn="ctr" hangingPunct="1"/>
+              <a:endParaRPr lang="ko-KR" altLang="en-US" sz="1800">
+                <a:latin typeface="맑은 고딕" charset="0"/>
+                <a:ea typeface="맑은 고딕" charset="0"/>
+              </a:endParaRPr>
+            </a:p>
+          </p:txBody>
+        </p:sp>
+        <p:sp>
+          <p:nvSpPr>
+            <p:cNvPr id="3090" name="텍스트 상자 11"/>
+            <p:cNvSpPr txBox="1">
+              <a:spLocks/>
+            </p:cNvSpPr>
+            <p:nvPr/>
+          </p:nvSpPr>
+          <p:spPr>
+            <a:xfrm rot="0">
+              <a:off x="3447415" y="3872865"/>
+              <a:ext cx="470535" cy="370205"/>
+            </a:xfrm>
+            <a:prstGeom prst="rect"/>
+            <a:noFill/>
+            <a:ln w="0" cap="flat" cmpd="sng">
+              <a:solidFill>
+                <a:srgbClr val="FFFFFF">
+                  <a:alpha val="100000"/>
+                </a:srgbClr>
+              </a:solidFill>
+              <a:prstDash/>
+            </a:ln>
+          </p:spPr>
+          <p:txBody>
+            <a:bodyPr wrap="none" lIns="89535" tIns="46355" rIns="89535" bIns="46355" vert="horz" anchor="t">
+              <a:spAutoFit/>
+            </a:bodyPr>
+            <a:lstStyle/>
+            <a:p>
+              <a:pPr marL="0" indent="0" algn="l" hangingPunct="1"/>
+              <a:r>
+                <a:rPr lang="ko-KR" sz="1800">
+                  <a:solidFill>
+                    <a:srgbClr val="FF0000"/>
+                  </a:solidFill>
+                  <a:latin typeface="맑은 고딕" charset="0"/>
+                  <a:ea typeface="맑은 고딕" charset="0"/>
+                </a:rPr>
+                <a:t>H2</a:t>
+              </a:r>
+              <a:endParaRPr lang="ko-KR" altLang="en-US" sz="1800">
+                <a:solidFill>
+                  <a:srgbClr val="FF0000"/>
+                </a:solidFill>
+                <a:latin typeface="맑은 고딕" charset="0"/>
+                <a:ea typeface="맑은 고딕" charset="0"/>
+              </a:endParaRPr>
+            </a:p>
+          </p:txBody>
+        </p:sp>
+      </p:grpSp>
+      <p:grpSp>
+        <p:nvGrpSpPr>
+          <p:cNvPr id="3091" name="그룹 15"/>
+          <p:cNvGrpSpPr/>
+          <p:nvPr/>
+        </p:nvGrpSpPr>
+        <p:grpSpPr>
+          <a:xfrm rot="0">
+            <a:off x="3492500" y="6080760"/>
+            <a:ext cx="1864360" cy="370205"/>
+            <a:chOff x="3492500" y="6080760"/>
+            <a:chExt cx="1864360" cy="370205"/>
+          </a:xfrm>
+        </p:grpSpPr>
+        <p:sp>
+          <p:nvSpPr>
+            <p:cNvPr id="3092" name="도형 13"/>
+            <p:cNvSpPr>
+              <a:spLocks/>
+            </p:cNvSpPr>
+            <p:nvPr/>
+          </p:nvSpPr>
+          <p:spPr>
+            <a:xfrm rot="0">
+              <a:off x="3556000" y="6144260"/>
+              <a:ext cx="1800860" cy="235585"/>
+            </a:xfrm>
+            <a:prstGeom prst="rect"/>
+            <a:noFill/>
+          </p:spPr>
+          <p:style>
+            <a:lnRef idx="2">
+              <a:schemeClr val="accent1">
+                <a:shade val="50000"/>
+              </a:schemeClr>
+            </a:lnRef>
+            <a:fillRef idx="1">
+              <a:schemeClr val="accent1"/>
+            </a:fillRef>
+            <a:effectRef idx="0">
+              <a:schemeClr val="accent1"/>
+            </a:effectRef>
+            <a:fontRef idx="minor">
+              <a:schemeClr val="lt1"/>
+            </a:fontRef>
+          </p:style>
+          <p:txBody>
+            <a:bodyPr wrap="square" lIns="91440" tIns="45720" rIns="91440" bIns="45720" vert="horz" anchor="ctr">
+              <a:noAutofit/>
+            </a:bodyPr>
+            <a:lstStyle/>
+            <a:p>
+              <a:pPr marL="0" indent="0" algn="ctr" hangingPunct="1"/>
+              <a:endParaRPr lang="ko-KR" altLang="en-US" sz="1800">
+                <a:latin typeface="맑은 고딕" charset="0"/>
+                <a:ea typeface="맑은 고딕" charset="0"/>
+              </a:endParaRPr>
+            </a:p>
+          </p:txBody>
+        </p:sp>
+        <p:sp>
+          <p:nvSpPr>
+            <p:cNvPr id="3093" name="텍스트 상자 14"/>
+            <p:cNvSpPr txBox="1">
+              <a:spLocks/>
+            </p:cNvSpPr>
+            <p:nvPr/>
+          </p:nvSpPr>
+          <p:spPr>
+            <a:xfrm rot="0">
+              <a:off x="3492500" y="6080760"/>
+              <a:ext cx="470535" cy="370205"/>
+            </a:xfrm>
+            <a:prstGeom prst="rect"/>
+            <a:noFill/>
+            <a:ln w="0" cap="flat" cmpd="sng">
+              <a:solidFill>
+                <a:srgbClr val="FFFFFF">
+                  <a:alpha val="100000"/>
+                </a:srgbClr>
+              </a:solidFill>
+              <a:prstDash/>
+            </a:ln>
+          </p:spPr>
+          <p:txBody>
+            <a:bodyPr wrap="none" lIns="89535" tIns="46355" rIns="89535" bIns="46355" vert="horz" anchor="t">
+              <a:spAutoFit/>
+            </a:bodyPr>
+            <a:lstStyle/>
+            <a:p>
+              <a:pPr marL="0" indent="0" algn="l" hangingPunct="1"/>
+              <a:r>
+                <a:rPr lang="ko-KR" sz="1800">
+                  <a:solidFill>
+                    <a:srgbClr val="FF0000"/>
+                  </a:solidFill>
+                  <a:latin typeface="맑은 고딕" charset="0"/>
+                  <a:ea typeface="맑은 고딕" charset="0"/>
+                </a:rPr>
+                <a:t>H2</a:t>
+              </a:r>
+              <a:endParaRPr lang="ko-KR" altLang="en-US" sz="1800">
+                <a:solidFill>
+                  <a:srgbClr val="FF0000"/>
+                </a:solidFill>
                 <a:latin typeface="맑은 고딕" charset="0"/>
                 <a:ea typeface="맑은 고딕" charset="0"/>
               </a:endParaRPr>
@@ -5051,7 +5074,7 @@
           <p:nvPr/>
         </p:nvGrpSpPr>
         <p:grpSpPr>
-          <a:xfrm rot="0">
+          <a:xfrm>
             <a:off x="2117090" y="2200910"/>
             <a:ext cx="5741035" cy="4632960"/>
             <a:chOff x="2117090" y="2200910"/>
@@ -5069,7 +5092,7 @@
           <p:spPr>
             <a:xfrm rot="0">
               <a:off x="2117090" y="2226310"/>
-              <a:ext cx="4700270" cy="4607560"/>
+              <a:ext cx="4700905" cy="4608195"/>
             </a:xfrm>
             <a:prstGeom prst="rect"/>
             <a:noFill/>
@@ -5081,6 +5104,205 @@
               </a:solidFill>
               <a:prstDash val="solid"/>
             </a:ln>
+          </p:spPr>
+          <p:style>
+            <a:lnRef idx="2">
+              <a:schemeClr val="accent1">
+                <a:shade val="50000"/>
+              </a:schemeClr>
+            </a:lnRef>
+            <a:fillRef idx="1">
+              <a:schemeClr val="accent1"/>
+            </a:fillRef>
+            <a:effectRef idx="0">
+              <a:schemeClr val="accent1"/>
+            </a:effectRef>
+            <a:fontRef idx="minor">
+              <a:schemeClr val="lt1"/>
+            </a:fontRef>
+          </p:style>
+          <p:txBody>
+            <a:bodyPr wrap="square" lIns="91440" tIns="45720" rIns="91440" bIns="45720" numCol="1" vert="horz" anchor="ctr">
+              <a:noAutofit/>
+            </a:bodyPr>
+            <a:lstStyle/>
+            <a:p>
+              <a:pPr marL="0" indent="0" algn="ctr" latinLnBrk="0" hangingPunct="1">
+                <a:buFontTx/>
+                <a:buNone/>
+              </a:pPr>
+              <a:endParaRPr lang="ko-KR" altLang="en-US" sz="1800">
+                <a:latin typeface="맑은 고딕" charset="0"/>
+                <a:ea typeface="맑은 고딕" charset="0"/>
+              </a:endParaRPr>
+            </a:p>
+          </p:txBody>
+        </p:sp>
+        <p:sp>
+          <p:nvSpPr>
+            <p:cNvPr id="3080" name="텍스트 상자 23"/>
+            <p:cNvSpPr txBox="1">
+              <a:spLocks/>
+            </p:cNvSpPr>
+            <p:nvPr/>
+          </p:nvSpPr>
+          <p:spPr>
+            <a:xfrm rot="0">
+              <a:off x="6843395" y="2200910"/>
+              <a:ext cx="1015365" cy="258445"/>
+            </a:xfrm>
+            <a:prstGeom prst="rect"/>
+            <a:noFill/>
+            <a:ln w="0" cap="flat" cmpd="sng">
+              <a:solidFill>
+                <a:srgbClr val="FFFFFF">
+                  <a:alpha val="100000"/>
+                </a:srgbClr>
+              </a:solidFill>
+              <a:prstDash val="solid"/>
+            </a:ln>
+          </p:spPr>
+          <p:txBody>
+            <a:bodyPr wrap="square" lIns="89535" tIns="46355" rIns="89535" bIns="46355" numCol="1" vert="horz" anchor="t">
+              <a:spAutoFit/>
+            </a:bodyPr>
+            <a:lstStyle/>
+            <a:p>
+              <a:pPr marL="0" indent="0" algn="l" latinLnBrk="0" hangingPunct="1">
+                <a:buFontTx/>
+                <a:buNone/>
+              </a:pPr>
+              <a:r>
+                <a:rPr lang="ko-KR" sz="1800">
+                  <a:latin typeface="맑은 고딕" charset="0"/>
+                  <a:ea typeface="맑은 고딕" charset="0"/>
+                </a:rPr>
+                <a:t>section</a:t>
+              </a:r>
+              <a:endParaRPr lang="ko-KR" altLang="en-US" sz="1800">
+                <a:latin typeface="맑은 고딕" charset="0"/>
+                <a:ea typeface="맑은 고딕" charset="0"/>
+              </a:endParaRPr>
+            </a:p>
+          </p:txBody>
+        </p:sp>
+      </p:grpSp>
+      <p:sp>
+        <p:nvSpPr>
+          <p:cNvPr id="3081" name="도형 1"/>
+          <p:cNvSpPr>
+            <a:spLocks/>
+          </p:cNvSpPr>
+          <p:nvPr/>
+        </p:nvSpPr>
+        <p:spPr>
+          <a:xfrm rot="0">
+            <a:off x="3601085" y="2388870"/>
+            <a:ext cx="1800860" cy="235585"/>
+          </a:xfrm>
+          <a:prstGeom prst="rect"/>
+          <a:noFill/>
+        </p:spPr>
+        <p:style>
+          <a:lnRef idx="2">
+            <a:schemeClr val="accent1">
+              <a:shade val="50000"/>
+            </a:schemeClr>
+          </a:lnRef>
+          <a:fillRef idx="1">
+            <a:schemeClr val="accent1"/>
+          </a:fillRef>
+          <a:effectRef idx="0">
+            <a:schemeClr val="accent1"/>
+          </a:effectRef>
+          <a:fontRef idx="minor">
+            <a:schemeClr val="lt1"/>
+          </a:fontRef>
+        </p:style>
+        <p:txBody>
+          <a:bodyPr wrap="square" lIns="91440" tIns="45720" rIns="91440" bIns="45720" vert="horz" anchor="ctr">
+            <a:noAutofit/>
+          </a:bodyPr>
+          <a:lstStyle/>
+          <a:p>
+            <a:pPr marL="0" indent="0" algn="ctr" hangingPunct="1"/>
+            <a:endParaRPr lang="ko-KR" altLang="en-US" sz="1800">
+              <a:latin typeface="맑은 고딕" charset="0"/>
+              <a:ea typeface="맑은 고딕" charset="0"/>
+            </a:endParaRPr>
+          </a:p>
+        </p:txBody>
+      </p:sp>
+      <p:sp>
+        <p:nvSpPr>
+          <p:cNvPr id="3082" name="텍스트 상자 3"/>
+          <p:cNvSpPr txBox="1">
+            <a:spLocks/>
+          </p:cNvSpPr>
+          <p:nvPr/>
+        </p:nvSpPr>
+        <p:spPr>
+          <a:xfrm rot="0">
+            <a:off x="3537585" y="2325370"/>
+            <a:ext cx="470535" cy="370205"/>
+          </a:xfrm>
+          <a:prstGeom prst="rect"/>
+          <a:noFill/>
+          <a:ln w="0">
+            <a:noFill/>
+            <a:prstDash/>
+          </a:ln>
+        </p:spPr>
+        <p:txBody>
+          <a:bodyPr wrap="none" lIns="89535" tIns="46355" rIns="89535" bIns="46355" vert="horz" anchor="t">
+            <a:spAutoFit/>
+          </a:bodyPr>
+          <a:lstStyle/>
+          <a:p>
+            <a:pPr marL="0" indent="0" algn="l" hangingPunct="1"/>
+            <a:r>
+              <a:rPr lang="ko-KR" sz="1800">
+                <a:latin typeface="맑은 고딕" charset="0"/>
+                <a:ea typeface="맑은 고딕" charset="0"/>
+              </a:rPr>
+              <a:t>H2</a:t>
+            </a:r>
+            <a:endParaRPr lang="ko-KR" altLang="en-US" sz="1800">
+              <a:latin typeface="맑은 고딕" charset="0"/>
+              <a:ea typeface="맑은 고딕" charset="0"/>
+            </a:endParaRPr>
+          </a:p>
+        </p:txBody>
+      </p:sp>
+      <p:grpSp>
+        <p:nvGrpSpPr>
+          <p:cNvPr id="3085" name="그룹 18"/>
+          <p:cNvGrpSpPr/>
+          <p:nvPr/>
+        </p:nvGrpSpPr>
+        <p:grpSpPr>
+          <a:xfrm rot="0">
+            <a:off x="3841115" y="3714115"/>
+            <a:ext cx="1120140" cy="231775"/>
+            <a:chOff x="3841115" y="3714115"/>
+            <a:chExt cx="1120140" cy="231775"/>
+          </a:xfrm>
+        </p:grpSpPr>
+        <p:sp>
+          <p:nvSpPr>
+            <p:cNvPr id="3083" name="도형 16"/>
+            <p:cNvSpPr>
+              <a:spLocks/>
+            </p:cNvSpPr>
+            <p:nvPr/>
+          </p:nvSpPr>
+          <p:spPr>
+            <a:xfrm rot="0">
+              <a:off x="3841115" y="3771900"/>
+              <a:ext cx="1120140" cy="133985"/>
+            </a:xfrm>
+            <a:prstGeom prst="rect"/>
+            <a:noFill/>
           </p:spPr>
           <p:style>
             <a:lnRef idx="2">
@@ -5114,7 +5336,7 @@
         </p:sp>
         <p:sp>
           <p:nvSpPr>
-            <p:cNvPr id="3080" name="텍스트 상자 23"/>
+            <p:cNvPr id="3084" name="텍스트 상자 17"/>
             <p:cNvSpPr txBox="1">
               <a:spLocks/>
             </p:cNvSpPr>
@@ -5122,8 +5344,110 @@
           </p:nvSpPr>
           <p:spPr>
             <a:xfrm rot="0">
-              <a:off x="6843395" y="2200910"/>
-              <a:ext cx="1014730" cy="257810"/>
+              <a:off x="4425950" y="3714115"/>
+              <a:ext cx="535305" cy="231775"/>
+            </a:xfrm>
+            <a:prstGeom prst="rect"/>
+            <a:noFill/>
+            <a:ln w="0">
+              <a:noFill/>
+              <a:prstDash/>
+            </a:ln>
+          </p:spPr>
+          <p:txBody>
+            <a:bodyPr wrap="square" lIns="89535" tIns="46355" rIns="89535" bIns="46355" vert="horz" anchor="t">
+              <a:spAutoFit/>
+            </a:bodyPr>
+            <a:lstStyle/>
+            <a:p>
+              <a:pPr marL="0" indent="0" algn="l" hangingPunct="1"/>
+              <a:r>
+                <a:rPr lang="ko-KR" sz="900">
+                  <a:latin typeface="맑은 고딕" charset="0"/>
+                  <a:ea typeface="맑은 고딕" charset="0"/>
+                </a:rPr>
+                <a:t>H3</a:t>
+              </a:r>
+              <a:endParaRPr lang="ko-KR" altLang="en-US" sz="900">
+                <a:latin typeface="맑은 고딕" charset="0"/>
+                <a:ea typeface="맑은 고딕" charset="0"/>
+              </a:endParaRPr>
+            </a:p>
+          </p:txBody>
+        </p:sp>
+      </p:grpSp>
+      <p:grpSp>
+        <p:nvGrpSpPr>
+          <p:cNvPr id="3086" name="그룹 21"/>
+          <p:cNvGrpSpPr/>
+          <p:nvPr/>
+        </p:nvGrpSpPr>
+        <p:grpSpPr>
+          <a:xfrm rot="0">
+            <a:off x="5283200" y="4225290"/>
+            <a:ext cx="1120140" cy="231775"/>
+            <a:chOff x="5283200" y="4225290"/>
+            <a:chExt cx="1120140" cy="231775"/>
+          </a:xfrm>
+        </p:grpSpPr>
+        <p:sp>
+          <p:nvSpPr>
+            <p:cNvPr id="3087" name="도형 19"/>
+            <p:cNvSpPr>
+              <a:spLocks/>
+            </p:cNvSpPr>
+            <p:nvPr/>
+          </p:nvSpPr>
+          <p:spPr>
+            <a:xfrm rot="0">
+              <a:off x="5283200" y="4283075"/>
+              <a:ext cx="1120140" cy="133985"/>
+            </a:xfrm>
+            <a:prstGeom prst="rect"/>
+            <a:noFill/>
+          </p:spPr>
+          <p:style>
+            <a:lnRef idx="2">
+              <a:schemeClr val="accent1">
+                <a:shade val="50000"/>
+              </a:schemeClr>
+            </a:lnRef>
+            <a:fillRef idx="1">
+              <a:schemeClr val="accent1"/>
+            </a:fillRef>
+            <a:effectRef idx="0">
+              <a:schemeClr val="accent1"/>
+            </a:effectRef>
+            <a:fontRef idx="minor">
+              <a:schemeClr val="lt1"/>
+            </a:fontRef>
+          </p:style>
+          <p:txBody>
+            <a:bodyPr wrap="square" lIns="91440" tIns="45720" rIns="91440" bIns="45720" vert="horz" anchor="ctr">
+              <a:noAutofit/>
+            </a:bodyPr>
+            <a:lstStyle/>
+            <a:p>
+              <a:pPr marL="0" indent="0" algn="ctr" hangingPunct="1"/>
+              <a:endParaRPr lang="ko-KR" altLang="en-US" sz="1800">
+                <a:latin typeface="맑은 고딕" charset="0"/>
+                <a:ea typeface="맑은 고딕" charset="0"/>
+              </a:endParaRPr>
+            </a:p>
+          </p:txBody>
+        </p:sp>
+        <p:sp>
+          <p:nvSpPr>
+            <p:cNvPr id="3088" name="텍스트 상자 20"/>
+            <p:cNvSpPr txBox="1">
+              <a:spLocks/>
+            </p:cNvSpPr>
+            <p:nvPr/>
+          </p:nvSpPr>
+          <p:spPr>
+            <a:xfrm rot="0">
+              <a:off x="5868035" y="4225290"/>
+              <a:ext cx="535305" cy="231775"/>
             </a:xfrm>
             <a:prstGeom prst="rect"/>
             <a:noFill/>
@@ -5144,13 +5468,437 @@
             <a:p>
               <a:pPr marL="0" indent="0" algn="l" hangingPunct="1"/>
               <a:r>
-                <a:rPr lang="ko-KR" sz="1800">
+                <a:rPr lang="ko-KR" sz="900">
                   <a:latin typeface="맑은 고딕" charset="0"/>
                   <a:ea typeface="맑은 고딕" charset="0"/>
                 </a:rPr>
-                <a:t>section</a:t>
+                <a:t>H3</a:t>
               </a:r>
+              <a:endParaRPr lang="ko-KR" altLang="en-US" sz="900">
+                <a:latin typeface="맑은 고딕" charset="0"/>
+                <a:ea typeface="맑은 고딕" charset="0"/>
+              </a:endParaRPr>
+            </a:p>
+          </p:txBody>
+        </p:sp>
+      </p:grpSp>
+      <p:grpSp>
+        <p:nvGrpSpPr>
+          <p:cNvPr id="3089" name="그룹 24"/>
+          <p:cNvGrpSpPr/>
+          <p:nvPr/>
+        </p:nvGrpSpPr>
+        <p:grpSpPr>
+          <a:xfrm rot="0">
+            <a:off x="2286000" y="4709160"/>
+            <a:ext cx="1120140" cy="231775"/>
+            <a:chOff x="2286000" y="4709160"/>
+            <a:chExt cx="1120140" cy="231775"/>
+          </a:xfrm>
+        </p:grpSpPr>
+        <p:sp>
+          <p:nvSpPr>
+            <p:cNvPr id="3090" name="도형 22"/>
+            <p:cNvSpPr>
+              <a:spLocks/>
+            </p:cNvSpPr>
+            <p:nvPr/>
+          </p:nvSpPr>
+          <p:spPr>
+            <a:xfrm rot="0">
+              <a:off x="2286000" y="4766945"/>
+              <a:ext cx="1120140" cy="133985"/>
+            </a:xfrm>
+            <a:prstGeom prst="rect"/>
+            <a:noFill/>
+          </p:spPr>
+          <p:style>
+            <a:lnRef idx="2">
+              <a:schemeClr val="accent1">
+                <a:shade val="50000"/>
+              </a:schemeClr>
+            </a:lnRef>
+            <a:fillRef idx="1">
+              <a:schemeClr val="accent1"/>
+            </a:fillRef>
+            <a:effectRef idx="0">
+              <a:schemeClr val="accent1"/>
+            </a:effectRef>
+            <a:fontRef idx="minor">
+              <a:schemeClr val="lt1"/>
+            </a:fontRef>
+          </p:style>
+          <p:txBody>
+            <a:bodyPr wrap="square" lIns="91440" tIns="45720" rIns="91440" bIns="45720" vert="horz" anchor="ctr">
+              <a:noAutofit/>
+            </a:bodyPr>
+            <a:lstStyle/>
+            <a:p>
+              <a:pPr marL="0" indent="0" algn="ctr" hangingPunct="1"/>
               <a:endParaRPr lang="ko-KR" altLang="en-US" sz="1800">
+                <a:latin typeface="맑은 고딕" charset="0"/>
+                <a:ea typeface="맑은 고딕" charset="0"/>
+              </a:endParaRPr>
+            </a:p>
+          </p:txBody>
+        </p:sp>
+        <p:sp>
+          <p:nvSpPr>
+            <p:cNvPr id="3091" name="텍스트 상자 23"/>
+            <p:cNvSpPr txBox="1">
+              <a:spLocks/>
+            </p:cNvSpPr>
+            <p:nvPr/>
+          </p:nvSpPr>
+          <p:spPr>
+            <a:xfrm rot="0">
+              <a:off x="2870835" y="4709160"/>
+              <a:ext cx="535305" cy="231775"/>
+            </a:xfrm>
+            <a:prstGeom prst="rect"/>
+            <a:noFill/>
+            <a:ln w="0" cap="flat" cmpd="sng">
+              <a:solidFill>
+                <a:srgbClr val="FFFFFF">
+                  <a:alpha val="100000"/>
+                </a:srgbClr>
+              </a:solidFill>
+              <a:prstDash/>
+            </a:ln>
+          </p:spPr>
+          <p:txBody>
+            <a:bodyPr wrap="square" lIns="89535" tIns="46355" rIns="89535" bIns="46355" vert="horz" anchor="t">
+              <a:spAutoFit/>
+            </a:bodyPr>
+            <a:lstStyle/>
+            <a:p>
+              <a:pPr marL="0" indent="0" algn="l" hangingPunct="1"/>
+              <a:r>
+                <a:rPr lang="ko-KR" sz="900">
+                  <a:latin typeface="맑은 고딕" charset="0"/>
+                  <a:ea typeface="맑은 고딕" charset="0"/>
+                </a:rPr>
+                <a:t>H3</a:t>
+              </a:r>
+              <a:endParaRPr lang="ko-KR" altLang="en-US" sz="900">
+                <a:latin typeface="맑은 고딕" charset="0"/>
+                <a:ea typeface="맑은 고딕" charset="0"/>
+              </a:endParaRPr>
+            </a:p>
+          </p:txBody>
+        </p:sp>
+      </p:grpSp>
+      <p:grpSp>
+        <p:nvGrpSpPr>
+          <p:cNvPr id="3092" name="그룹 27"/>
+          <p:cNvGrpSpPr/>
+          <p:nvPr/>
+        </p:nvGrpSpPr>
+        <p:grpSpPr>
+          <a:xfrm rot="0">
+            <a:off x="2284730" y="6247765"/>
+            <a:ext cx="1473835" cy="231775"/>
+            <a:chOff x="2284730" y="6247765"/>
+            <a:chExt cx="1473835" cy="231775"/>
+          </a:xfrm>
+        </p:grpSpPr>
+        <p:sp>
+          <p:nvSpPr>
+            <p:cNvPr id="3093" name="도형 25"/>
+            <p:cNvSpPr>
+              <a:spLocks/>
+            </p:cNvSpPr>
+            <p:nvPr/>
+          </p:nvSpPr>
+          <p:spPr>
+            <a:xfrm rot="0">
+              <a:off x="2284730" y="6305550"/>
+              <a:ext cx="1473200" cy="133985"/>
+            </a:xfrm>
+            <a:prstGeom prst="rect"/>
+            <a:noFill/>
+          </p:spPr>
+          <p:style>
+            <a:lnRef idx="2">
+              <a:schemeClr val="accent1">
+                <a:shade val="50000"/>
+              </a:schemeClr>
+            </a:lnRef>
+            <a:fillRef idx="1">
+              <a:schemeClr val="accent1"/>
+            </a:fillRef>
+            <a:effectRef idx="0">
+              <a:schemeClr val="accent1"/>
+            </a:effectRef>
+            <a:fontRef idx="minor">
+              <a:schemeClr val="lt1"/>
+            </a:fontRef>
+          </p:style>
+          <p:txBody>
+            <a:bodyPr wrap="square" lIns="91440" tIns="45720" rIns="91440" bIns="45720" vert="horz" anchor="ctr">
+              <a:noAutofit/>
+            </a:bodyPr>
+            <a:lstStyle/>
+            <a:p>
+              <a:pPr marL="0" indent="0" algn="ctr" hangingPunct="1"/>
+              <a:endParaRPr lang="ko-KR" altLang="en-US" sz="1800">
+                <a:latin typeface="맑은 고딕" charset="0"/>
+                <a:ea typeface="맑은 고딕" charset="0"/>
+              </a:endParaRPr>
+            </a:p>
+          </p:txBody>
+        </p:sp>
+        <p:sp>
+          <p:nvSpPr>
+            <p:cNvPr id="3094" name="텍스트 상자 26"/>
+            <p:cNvSpPr txBox="1">
+              <a:spLocks/>
+            </p:cNvSpPr>
+            <p:nvPr/>
+          </p:nvSpPr>
+          <p:spPr>
+            <a:xfrm rot="0">
+              <a:off x="3054985" y="6247765"/>
+              <a:ext cx="703580" cy="231775"/>
+            </a:xfrm>
+            <a:prstGeom prst="rect"/>
+            <a:noFill/>
+            <a:ln w="0" cap="flat" cmpd="sng">
+              <a:solidFill>
+                <a:srgbClr val="FFFFFF">
+                  <a:alpha val="100000"/>
+                </a:srgbClr>
+              </a:solidFill>
+              <a:prstDash/>
+            </a:ln>
+          </p:spPr>
+          <p:txBody>
+            <a:bodyPr wrap="square" lIns="89535" tIns="46355" rIns="89535" bIns="46355" vert="horz" anchor="t">
+              <a:spAutoFit/>
+            </a:bodyPr>
+            <a:lstStyle/>
+            <a:p>
+              <a:pPr marL="0" indent="0" algn="l" hangingPunct="1"/>
+              <a:r>
+                <a:rPr lang="ko-KR" sz="900">
+                  <a:latin typeface="맑은 고딕" charset="0"/>
+                  <a:ea typeface="맑은 고딕" charset="0"/>
+                </a:rPr>
+                <a:t>H3</a:t>
+              </a:r>
+              <a:endParaRPr lang="ko-KR" altLang="en-US" sz="900">
+                <a:latin typeface="맑은 고딕" charset="0"/>
+                <a:ea typeface="맑은 고딕" charset="0"/>
+              </a:endParaRPr>
+            </a:p>
+          </p:txBody>
+        </p:sp>
+      </p:grpSp>
+      <p:grpSp>
+        <p:nvGrpSpPr>
+          <p:cNvPr id="3095" name="그룹 30"/>
+          <p:cNvGrpSpPr/>
+          <p:nvPr/>
+        </p:nvGrpSpPr>
+        <p:grpSpPr>
+          <a:xfrm rot="0">
+            <a:off x="3838575" y="6320790"/>
+            <a:ext cx="1422400" cy="273685"/>
+            <a:chOff x="3838575" y="6320790"/>
+            <a:chExt cx="1422400" cy="273685"/>
+          </a:xfrm>
+        </p:grpSpPr>
+        <p:sp>
+          <p:nvSpPr>
+            <p:cNvPr id="3096" name="도형 28"/>
+            <p:cNvSpPr>
+              <a:spLocks/>
+            </p:cNvSpPr>
+            <p:nvPr/>
+          </p:nvSpPr>
+          <p:spPr>
+            <a:xfrm rot="0">
+              <a:off x="3838575" y="6387465"/>
+              <a:ext cx="1422400" cy="158750"/>
+            </a:xfrm>
+            <a:prstGeom prst="rect"/>
+            <a:noFill/>
+          </p:spPr>
+          <p:style>
+            <a:lnRef idx="2">
+              <a:schemeClr val="accent1">
+                <a:shade val="50000"/>
+              </a:schemeClr>
+            </a:lnRef>
+            <a:fillRef idx="1">
+              <a:schemeClr val="accent1"/>
+            </a:fillRef>
+            <a:effectRef idx="0">
+              <a:schemeClr val="accent1"/>
+            </a:effectRef>
+            <a:fontRef idx="minor">
+              <a:schemeClr val="lt1"/>
+            </a:fontRef>
+          </p:style>
+          <p:txBody>
+            <a:bodyPr wrap="square" lIns="91440" tIns="45720" rIns="91440" bIns="45720" vert="horz" anchor="ctr">
+              <a:noAutofit/>
+            </a:bodyPr>
+            <a:lstStyle/>
+            <a:p>
+              <a:pPr marL="0" indent="0" algn="ctr" hangingPunct="1"/>
+              <a:endParaRPr lang="ko-KR" altLang="en-US" sz="1800">
+                <a:latin typeface="맑은 고딕" charset="0"/>
+                <a:ea typeface="맑은 고딕" charset="0"/>
+              </a:endParaRPr>
+            </a:p>
+          </p:txBody>
+        </p:sp>
+        <p:sp>
+          <p:nvSpPr>
+            <p:cNvPr id="3097" name="텍스트 상자 29"/>
+            <p:cNvSpPr txBox="1">
+              <a:spLocks/>
+            </p:cNvSpPr>
+            <p:nvPr/>
+          </p:nvSpPr>
+          <p:spPr>
+            <a:xfrm rot="0">
+              <a:off x="4580890" y="6320790"/>
+              <a:ext cx="679450" cy="273685"/>
+            </a:xfrm>
+            <a:prstGeom prst="rect"/>
+            <a:noFill/>
+            <a:ln w="0" cap="flat" cmpd="sng">
+              <a:solidFill>
+                <a:srgbClr val="FFFFFF">
+                  <a:alpha val="100000"/>
+                </a:srgbClr>
+              </a:solidFill>
+              <a:prstDash/>
+            </a:ln>
+          </p:spPr>
+          <p:txBody>
+            <a:bodyPr wrap="square" lIns="89535" tIns="46355" rIns="89535" bIns="46355" vert="horz" anchor="t">
+              <a:spAutoFit/>
+            </a:bodyPr>
+            <a:lstStyle/>
+            <a:p>
+              <a:pPr marL="0" indent="0" algn="l" hangingPunct="1"/>
+              <a:r>
+                <a:rPr lang="ko-KR" sz="900">
+                  <a:latin typeface="맑은 고딕" charset="0"/>
+                  <a:ea typeface="맑은 고딕" charset="0"/>
+                </a:rPr>
+                <a:t>H3</a:t>
+              </a:r>
+              <a:endParaRPr lang="ko-KR" altLang="en-US" sz="900">
+                <a:latin typeface="맑은 고딕" charset="0"/>
+                <a:ea typeface="맑은 고딕" charset="0"/>
+              </a:endParaRPr>
+            </a:p>
+          </p:txBody>
+        </p:sp>
+      </p:grpSp>
+      <p:grpSp>
+        <p:nvGrpSpPr>
+          <p:cNvPr id="3098" name="그룹 33"/>
+          <p:cNvGrpSpPr/>
+          <p:nvPr/>
+        </p:nvGrpSpPr>
+        <p:grpSpPr>
+          <a:xfrm rot="0">
+            <a:off x="5319395" y="6210935"/>
+            <a:ext cx="1120140" cy="231775"/>
+            <a:chOff x="5319395" y="6210935"/>
+            <a:chExt cx="1120140" cy="231775"/>
+          </a:xfrm>
+        </p:grpSpPr>
+        <p:sp>
+          <p:nvSpPr>
+            <p:cNvPr id="3099" name="도형 31"/>
+            <p:cNvSpPr>
+              <a:spLocks/>
+            </p:cNvSpPr>
+            <p:nvPr/>
+          </p:nvSpPr>
+          <p:spPr>
+            <a:xfrm rot="0">
+              <a:off x="5319395" y="6268720"/>
+              <a:ext cx="1120140" cy="133985"/>
+            </a:xfrm>
+            <a:prstGeom prst="rect"/>
+            <a:noFill/>
+          </p:spPr>
+          <p:style>
+            <a:lnRef idx="2">
+              <a:schemeClr val="accent1">
+                <a:shade val="50000"/>
+              </a:schemeClr>
+            </a:lnRef>
+            <a:fillRef idx="1">
+              <a:schemeClr val="accent1"/>
+            </a:fillRef>
+            <a:effectRef idx="0">
+              <a:schemeClr val="accent1"/>
+            </a:effectRef>
+            <a:fontRef idx="minor">
+              <a:schemeClr val="lt1"/>
+            </a:fontRef>
+          </p:style>
+          <p:txBody>
+            <a:bodyPr wrap="square" lIns="91440" tIns="45720" rIns="91440" bIns="45720" vert="horz" anchor="ctr">
+              <a:noAutofit/>
+            </a:bodyPr>
+            <a:lstStyle/>
+            <a:p>
+              <a:pPr marL="0" indent="0" algn="ctr" hangingPunct="1"/>
+              <a:endParaRPr lang="ko-KR" altLang="en-US" sz="1800">
+                <a:latin typeface="맑은 고딕" charset="0"/>
+                <a:ea typeface="맑은 고딕" charset="0"/>
+              </a:endParaRPr>
+            </a:p>
+          </p:txBody>
+        </p:sp>
+        <p:sp>
+          <p:nvSpPr>
+            <p:cNvPr id="3100" name="텍스트 상자 32"/>
+            <p:cNvSpPr txBox="1">
+              <a:spLocks/>
+            </p:cNvSpPr>
+            <p:nvPr/>
+          </p:nvSpPr>
+          <p:spPr>
+            <a:xfrm rot="0">
+              <a:off x="5904230" y="6210935"/>
+              <a:ext cx="535305" cy="231775"/>
+            </a:xfrm>
+            <a:prstGeom prst="rect"/>
+            <a:noFill/>
+            <a:ln w="0" cap="flat" cmpd="sng">
+              <a:solidFill>
+                <a:srgbClr val="FFFFFF">
+                  <a:alpha val="100000"/>
+                </a:srgbClr>
+              </a:solidFill>
+              <a:prstDash/>
+            </a:ln>
+          </p:spPr>
+          <p:txBody>
+            <a:bodyPr wrap="square" lIns="89535" tIns="46355" rIns="89535" bIns="46355" vert="horz" anchor="t">
+              <a:spAutoFit/>
+            </a:bodyPr>
+            <a:lstStyle/>
+            <a:p>
+              <a:pPr marL="0" indent="0" algn="l" hangingPunct="1"/>
+              <a:r>
+                <a:rPr lang="ko-KR" sz="900">
+                  <a:latin typeface="맑은 고딕" charset="0"/>
+                  <a:ea typeface="맑은 고딕" charset="0"/>
+                </a:rPr>
+                <a:t>H3</a:t>
+              </a:r>
+              <a:endParaRPr lang="ko-KR" altLang="en-US" sz="900">
                 <a:latin typeface="맑은 고딕" charset="0"/>
                 <a:ea typeface="맑은 고딕" charset="0"/>
               </a:endParaRPr>
@@ -5187,7 +5935,7 @@
 </file>
 
 <file path=ppt/slides/slide4.xml><?xml version="1.0" encoding="utf-8"?>
-<p:sld xmlns:a="http://schemas.openxmlformats.org/drawingml/2006/main" xmlns:r="http://schemas.openxmlformats.org/officeDocument/2006/relationships" xmlns:p="http://schemas.openxmlformats.org/presentationml/2006/main">
+<p:sld xmlns:a="http://schemas.openxmlformats.org/drawingml/2006/main" xmlns:r="http://schemas.openxmlformats.org/officeDocument/2006/relationships" xmlns:p="http://schemas.openxmlformats.org/presentationml/2006/main" xmlns:p14="http://schemas.microsoft.com/office/powerpoint/2010/main">
   <p:cSld>
     <p:spTree>
       <p:nvGrpSpPr>
@@ -5205,58 +5953,143 @@
       </p:grpSpPr>
       <p:pic>
         <p:nvPicPr>
-          <p:cNvPr id="4098" name="Picture 2"/>
+          <p:cNvPr id="4098" name="Picture 2" descr="C:/Users/acodd/AppData/Roaming/PolarisOffice/ETemp/25272_23283496/image4.png"/>
           <p:cNvPicPr>
-            <a:picLocks noChangeAspect="1" noChangeArrowheads="1"/>
+            <a:picLocks noChangeAspect="1"/>
           </p:cNvPicPr>
           <p:nvPr/>
         </p:nvPicPr>
-        <p:blipFill>
-          <a:blip r:embed="rId2">
+        <p:blipFill rotWithShape="1">
+          <a:blip r:embed="rId2" cstate="print">
             <a:extLst>
               <a:ext uri="{28A0092B-C50C-407E-A947-70E740481C1C}">
                 <a14:useLocalDpi xmlns:a14="http://schemas.microsoft.com/office/drawing/2010/main" val="0"/>
               </a:ext>
             </a:extLst>
           </a:blip>
-          <a:srcRect/>
           <a:stretch>
             <a:fillRect/>
           </a:stretch>
         </p:blipFill>
         <p:spPr bwMode="auto">
-          <a:xfrm>
-            <a:off x="-1260648" y="1412776"/>
-            <a:ext cx="11070446" cy="4071888"/>
+          <a:xfrm rot="0">
+            <a:off x="-1196975" y="809625"/>
+            <a:ext cx="11071225" cy="5024755"/>
           </a:xfrm>
-          <a:prstGeom prst="rect">
-            <a:avLst/>
-          </a:prstGeom>
+          <a:prstGeom prst="rect"/>
           <a:noFill/>
-          <a:ln>
+          <a:ln w="0">
             <a:noFill/>
+            <a:prstDash/>
           </a:ln>
-          <a:extLst>
-            <a:ext uri="{909E8E84-426E-40DD-AFC4-6F175D3DCCD1}">
-              <a14:hiddenFill xmlns:a14="http://schemas.microsoft.com/office/drawing/2010/main">
-                <a:solidFill>
-                  <a:schemeClr val="accent1"/>
-                </a:solidFill>
-              </a14:hiddenFill>
-            </a:ext>
-            <a:ext uri="{91240B29-F687-4F45-9708-019B960494DF}">
-              <a14:hiddenLine xmlns:a14="http://schemas.microsoft.com/office/drawing/2010/main" w="9525">
-                <a:solidFill>
-                  <a:schemeClr val="tx1"/>
-                </a:solidFill>
-                <a:miter lim="800000"/>
-                <a:headEnd/>
-                <a:tailEnd/>
-              </a14:hiddenLine>
-            </a:ext>
-          </a:extLst>
         </p:spPr>
       </p:pic>
+      <p:grpSp>
+        <p:nvGrpSpPr>
+          <p:cNvPr id="4099" name="그룹 39"/>
+          <p:cNvGrpSpPr/>
+          <p:nvPr/>
+        </p:nvGrpSpPr>
+        <p:grpSpPr>
+          <a:xfrm rot="0">
+            <a:off x="121285" y="-327660"/>
+            <a:ext cx="8477250" cy="6649720"/>
+            <a:chOff x="121285" y="-327660"/>
+            <a:chExt cx="8477250" cy="6649720"/>
+          </a:xfrm>
+        </p:grpSpPr>
+        <p:sp>
+          <p:nvSpPr>
+            <p:cNvPr id="4100" name="도형 37"/>
+            <p:cNvSpPr>
+              <a:spLocks/>
+            </p:cNvSpPr>
+            <p:nvPr/>
+          </p:nvSpPr>
+          <p:spPr>
+            <a:xfrm rot="0">
+              <a:off x="409575" y="1088390"/>
+              <a:ext cx="8188960" cy="5233670"/>
+            </a:xfrm>
+            <a:prstGeom prst="rect"/>
+            <a:noFill/>
+          </p:spPr>
+          <p:style>
+            <a:lnRef idx="2">
+              <a:schemeClr val="accent1">
+                <a:shade val="50000"/>
+              </a:schemeClr>
+            </a:lnRef>
+            <a:fillRef idx="1">
+              <a:schemeClr val="accent1"/>
+            </a:fillRef>
+            <a:effectRef idx="0">
+              <a:schemeClr val="accent1"/>
+            </a:effectRef>
+            <a:fontRef idx="minor">
+              <a:schemeClr val="lt1"/>
+            </a:fontRef>
+          </p:style>
+          <p:txBody>
+            <a:bodyPr wrap="square" lIns="91440" tIns="45720" rIns="91440" bIns="45720" vert="horz" anchor="ctr">
+              <a:noAutofit/>
+            </a:bodyPr>
+            <a:lstStyle/>
+            <a:p>
+              <a:pPr marL="0" indent="0" algn="ctr" hangingPunct="1"/>
+              <a:endParaRPr lang="ko-KR" altLang="en-US" sz="1800">
+                <a:latin typeface="맑은 고딕" charset="0"/>
+                <a:ea typeface="맑은 고딕" charset="0"/>
+              </a:endParaRPr>
+            </a:p>
+          </p:txBody>
+        </p:sp>
+        <p:sp>
+          <p:nvSpPr>
+            <p:cNvPr id="4101" name="텍스트 상자 38"/>
+            <p:cNvSpPr txBox="1">
+              <a:spLocks/>
+            </p:cNvSpPr>
+            <p:nvPr/>
+          </p:nvSpPr>
+          <p:spPr>
+            <a:xfrm rot="0">
+              <a:off x="121285" y="-327660"/>
+              <a:ext cx="1014730" cy="370205"/>
+            </a:xfrm>
+            <a:prstGeom prst="rect"/>
+            <a:noFill/>
+            <a:ln w="0" cap="flat" cmpd="sng">
+              <a:solidFill>
+                <a:srgbClr val="FFFFFF">
+                  <a:alpha val="100000"/>
+                </a:srgbClr>
+              </a:solidFill>
+              <a:prstDash/>
+            </a:ln>
+          </p:spPr>
+          <p:txBody>
+            <a:bodyPr wrap="none" lIns="89535" tIns="46355" rIns="89535" bIns="46355" vert="horz" anchor="t">
+              <a:spAutoFit/>
+            </a:bodyPr>
+            <a:lstStyle/>
+            <a:p>
+              <a:pPr marL="0" indent="0" algn="l" hangingPunct="1"/>
+              <a:r>
+                <a:rPr lang="ko-KR" sz="1800">
+                  <a:latin typeface="맑은 고딕" charset="0"/>
+                  <a:ea typeface="맑은 고딕" charset="0"/>
+                </a:rPr>
+                <a:t>FOOTER</a:t>
+              </a:r>
+              <a:endParaRPr lang="ko-KR" altLang="en-US" sz="1800">
+                <a:latin typeface="맑은 고딕" charset="0"/>
+                <a:ea typeface="맑은 고딕" charset="0"/>
+              </a:endParaRPr>
+            </a:p>
+          </p:txBody>
+        </p:sp>
+      </p:grpSp>
     </p:spTree>
     <p:extLst>
       <p:ext uri="{BB962C8B-B14F-4D97-AF65-F5344CB8AC3E}">
@@ -5267,6 +6100,21 @@
   <p:clrMapOvr>
     <a:masterClrMapping/>
   </p:clrMapOvr>
+  <mc:AlternateContent xmlns:mc="http://schemas.openxmlformats.org/markup-compatibility/2006">
+    <mc:Choice xmlns:p14="http://schemas.microsoft.com/office/powerpoint/2010/main" Requires="p14">
+      <p:transition spd="slow" p14:dur="2000"/>
+    </mc:Choice>
+    <mc:Fallback>
+      <p:transition spd="slow"/>
+    </mc:Fallback>
+  </mc:AlternateContent>
+  <p:timing>
+    <p:tnLst>
+      <p:par>
+        <p:cTn id="1" dur="indefinite" restart="never" nodeType="tmRoot"/>
+      </p:par>
+    </p:tnLst>
+  </p:timing>
 </p:sld>
 </file>
 
